--- a/files/presentation/ppt/6.4 Architecture Design.pptx
+++ b/files/presentation/ppt/6.4 Architecture Design.pptx
@@ -5,10 +5,10 @@
     <p:sldMasterId id="2147483945" r:id="rId1"/>
   </p:sldMasterIdLst>
   <p:notesMasterIdLst>
-    <p:notesMasterId r:id="rId29"/>
+    <p:notesMasterId r:id="rId15"/>
   </p:notesMasterIdLst>
   <p:handoutMasterIdLst>
-    <p:handoutMasterId r:id="rId30"/>
+    <p:handoutMasterId r:id="rId16"/>
   </p:handoutMasterIdLst>
   <p:sldIdLst>
     <p:sldId id="256" r:id="rId2"/>
@@ -19,25 +19,11 @@
     <p:sldId id="283" r:id="rId7"/>
     <p:sldId id="282" r:id="rId8"/>
     <p:sldId id="288" r:id="rId9"/>
-    <p:sldId id="287" r:id="rId10"/>
-    <p:sldId id="286" r:id="rId11"/>
-    <p:sldId id="285" r:id="rId12"/>
-    <p:sldId id="284" r:id="rId13"/>
-    <p:sldId id="291" r:id="rId14"/>
-    <p:sldId id="296" r:id="rId15"/>
-    <p:sldId id="295" r:id="rId16"/>
-    <p:sldId id="294" r:id="rId17"/>
-    <p:sldId id="293" r:id="rId18"/>
-    <p:sldId id="292" r:id="rId19"/>
-    <p:sldId id="297" r:id="rId20"/>
-    <p:sldId id="298" r:id="rId21"/>
-    <p:sldId id="299" r:id="rId22"/>
-    <p:sldId id="300" r:id="rId23"/>
-    <p:sldId id="301" r:id="rId24"/>
-    <p:sldId id="302" r:id="rId25"/>
-    <p:sldId id="304" r:id="rId26"/>
-    <p:sldId id="303" r:id="rId27"/>
-    <p:sldId id="305" r:id="rId28"/>
+    <p:sldId id="296" r:id="rId10"/>
+    <p:sldId id="293" r:id="rId11"/>
+    <p:sldId id="292" r:id="rId12"/>
+    <p:sldId id="297" r:id="rId13"/>
+    <p:sldId id="298" r:id="rId14"/>
   </p:sldIdLst>
   <p:sldSz cx="9144000" cy="6858000" type="screen4x3"/>
   <p:notesSz cx="6858000" cy="9144000"/>
@@ -171,20 +157,6 @@
 </p:cmAuthorLst>
 </file>
 
-<file path=ppt/comments/comment1.xml><?xml version="1.0" encoding="utf-8"?>
-<p:cmLst xmlns:a="http://schemas.openxmlformats.org/drawingml/2006/main" xmlns:r="http://schemas.openxmlformats.org/officeDocument/2006/relationships" xmlns:p="http://schemas.openxmlformats.org/presentationml/2006/main">
-  <p:cm authorId="1" dt="2021-04-15T01:01:49.904" idx="1">
-    <p:pos x="10" y="10"/>
-    <p:text/>
-    <p:extLst>
-      <p:ext uri="{C676402C-5697-4E1C-873F-D02D1690AC5C}">
-        <p15:threadingInfo xmlns:p15="http://schemas.microsoft.com/office/powerpoint/2012/main" timeZoneBias="-540"/>
-      </p:ext>
-    </p:extLst>
-  </p:cm>
-</p:cmLst>
-</file>
-
 <file path=ppt/handoutMasters/handoutMaster1.xml><?xml version="1.0" encoding="utf-8"?>
 <p:handoutMaster xmlns:a="http://schemas.openxmlformats.org/drawingml/2006/main" xmlns:r="http://schemas.openxmlformats.org/officeDocument/2006/relationships" xmlns:p="http://schemas.openxmlformats.org/presentationml/2006/main">
   <p:cSld>
@@ -818,7 +790,7 @@
               <a:pPr lvl="0">
                 <a:defRPr lang="ko-KR" altLang="en-US"/>
               </a:pPr>
-              <a:t>14</a:t>
+              <a:t>9</a:t>
             </a:fld>
             <a:endParaRPr lang="ko-KR" altLang="en-US"/>
           </a:p>
@@ -2894,7 +2866,7 @@
     <mc:Choice Requires="p14">
       <p:transition/>
     </mc:Choice>
-    <mc:Fallback xmlns="" xmlns:c="http://schemas.openxmlformats.org/drawingml/2006/chart" xmlns:dgm="http://schemas.openxmlformats.org/drawingml/2006/diagram" xmlns:dsp="http://schemas.microsoft.com/office/drawing/2008/diagram">
+    <mc:Fallback xmlns:dsp="http://schemas.microsoft.com/office/drawing/2008/diagram" xmlns:dgm="http://schemas.openxmlformats.org/drawingml/2006/diagram" xmlns:c="http://schemas.openxmlformats.org/drawingml/2006/chart" xmlns="">
       <p:transition/>
     </mc:Fallback>
   </mc:AlternateContent>
@@ -2931,7 +2903,7 @@
         <p:spPr/>
         <p:txBody>
           <a:bodyPr>
-            <a:normAutofit fontScale="90000"/>
+            <a:normAutofit/>
           </a:bodyPr>
           <a:lstStyle/>
           <a:p>
@@ -2940,45 +2912,115 @@
             </a:pPr>
             <a:r>
               <a:rPr lang="en-US" altLang="ko-KR" dirty="0"/>
-              <a:t>Sigmoid Units for Bernoulli Output Distribution</a:t>
-            </a:r>
-          </a:p>
-        </p:txBody>
-      </p:sp>
-      <p:pic>
-        <p:nvPicPr>
-          <p:cNvPr id="4" name="Picture 3">
+              <a:t>Other Architectural considerations</a:t>
+            </a:r>
+          </a:p>
+        </p:txBody>
+      </p:sp>
+      <p:sp>
+        <p:nvSpPr>
+          <p:cNvPr id="3" name="TextBox 2">
             <a:extLst>
               <a:ext uri="{FF2B5EF4-FFF2-40B4-BE49-F238E27FC236}">
-                <a16:creationId xmlns:a16="http://schemas.microsoft.com/office/drawing/2014/main" id="{495091D7-C8F4-4DD9-AB8F-FD58FC2C8B20}"/>
+                <a16:creationId xmlns:a16="http://schemas.microsoft.com/office/drawing/2014/main" id="{C035BB7A-D828-4D0F-A2D0-FE2DC83A7495}"/>
               </a:ext>
             </a:extLst>
           </p:cNvPr>
-          <p:cNvPicPr>
-            <a:picLocks noChangeAspect="1"/>
-          </p:cNvPicPr>
+          <p:cNvSpPr txBox="1"/>
           <p:nvPr/>
-        </p:nvPicPr>
-        <p:blipFill>
-          <a:blip r:embed="rId2"/>
-          <a:stretch>
-            <a:fillRect/>
-          </a:stretch>
-        </p:blipFill>
-        <p:spPr>
-          <a:xfrm>
-            <a:off x="1877189" y="1124744"/>
-            <a:ext cx="5389621" cy="5667768"/>
+        </p:nvSpPr>
+        <p:spPr>
+          <a:xfrm>
+            <a:off x="1223628" y="1664804"/>
+            <a:ext cx="6516724" cy="1754326"/>
           </a:xfrm>
           <a:prstGeom prst="rect">
             <a:avLst/>
           </a:prstGeom>
-        </p:spPr>
-      </p:pic>
+          <a:noFill/>
+        </p:spPr>
+        <p:txBody>
+          <a:bodyPr wrap="square" rtlCol="0">
+            <a:spAutoFit/>
+          </a:bodyPr>
+          <a:lstStyle/>
+          <a:p>
+            <a:r>
+              <a:rPr lang="en-US" altLang="ko-KR" dirty="0"/>
+              <a:t>Neural</a:t>
+            </a:r>
+            <a:r>
+              <a:rPr lang="ko-KR" altLang="en-US" dirty="0"/>
+              <a:t> </a:t>
+            </a:r>
+            <a:r>
+              <a:rPr lang="en-US" altLang="ko-KR" dirty="0"/>
+              <a:t>net</a:t>
+            </a:r>
+            <a:r>
+              <a:rPr lang="ko-KR" altLang="en-US" dirty="0"/>
+              <a:t> 설계</a:t>
+            </a:r>
+            <a:endParaRPr lang="en-US" altLang="ko-KR" dirty="0"/>
+          </a:p>
+          <a:p>
+            <a:endParaRPr lang="en-US" altLang="ko-KR" dirty="0"/>
+          </a:p>
+          <a:p>
+            <a:pPr marL="285750" indent="-285750">
+              <a:buFontTx/>
+              <a:buChar char="-"/>
+            </a:pPr>
+            <a:r>
+              <a:rPr lang="en-US" altLang="ko-KR" dirty="0"/>
+              <a:t>Main</a:t>
+            </a:r>
+            <a:r>
+              <a:rPr lang="ko-KR" altLang="en-US" dirty="0"/>
+              <a:t> </a:t>
+            </a:r>
+            <a:r>
+              <a:rPr lang="en-US" altLang="ko-KR" dirty="0"/>
+              <a:t>chain</a:t>
+            </a:r>
+          </a:p>
+          <a:p>
+            <a:pPr marL="285750" indent="-285750">
+              <a:buFontTx/>
+              <a:buChar char="-"/>
+            </a:pPr>
+            <a:r>
+              <a:rPr lang="en-US" altLang="ko-KR" dirty="0"/>
+              <a:t>Skip connection</a:t>
+            </a:r>
+          </a:p>
+          <a:p>
+            <a:pPr marL="285750" indent="-285750">
+              <a:buFontTx/>
+              <a:buChar char="-"/>
+            </a:pPr>
+            <a:r>
+              <a:rPr lang="en-US" altLang="ko-KR" dirty="0"/>
+              <a:t>Attention</a:t>
+            </a:r>
+          </a:p>
+          <a:p>
+            <a:pPr marL="285750" indent="-285750">
+              <a:buFontTx/>
+              <a:buChar char="-"/>
+            </a:pPr>
+            <a:r>
+              <a:rPr lang="en-US" altLang="ko-KR" dirty="0"/>
+              <a:t>Convolutional filter</a:t>
+            </a:r>
+            <a:endParaRPr lang="ko-KR" altLang="en-US" dirty="0"/>
+          </a:p>
+        </p:txBody>
+      </p:sp>
     </p:spTree>
     <p:extLst>
       <p:ext uri="{BB962C8B-B14F-4D97-AF65-F5344CB8AC3E}">
-        <p14:creationId xmlns:p14="http://schemas.microsoft.com/office/powerpoint/2010/main" val="107341985"/>
+        <p14:creationId xmlns:p14="http://schemas.microsoft.com/office/powerpoint/2010/main" val="475638229"/>
       </p:ext>
     </p:extLst>
   </p:cSld>
@@ -3019,7 +3061,7 @@
         <p:spPr/>
         <p:txBody>
           <a:bodyPr>
-            <a:normAutofit fontScale="90000"/>
+            <a:normAutofit/>
           </a:bodyPr>
           <a:lstStyle/>
           <a:p>
@@ -3028,45 +3070,149 @@
             </a:pPr>
             <a:r>
               <a:rPr lang="en-US" altLang="ko-KR" dirty="0"/>
-              <a:t>Sigmoid Units for Bernoulli Output Distribution</a:t>
-            </a:r>
-          </a:p>
-        </p:txBody>
-      </p:sp>
-      <p:pic>
-        <p:nvPicPr>
-          <p:cNvPr id="5" name="Picture 4">
+              <a:t>Other Architectural considerations</a:t>
+            </a:r>
+          </a:p>
+        </p:txBody>
+      </p:sp>
+      <p:sp>
+        <p:nvSpPr>
+          <p:cNvPr id="3" name="TextBox 2">
             <a:extLst>
               <a:ext uri="{FF2B5EF4-FFF2-40B4-BE49-F238E27FC236}">
-                <a16:creationId xmlns:a16="http://schemas.microsoft.com/office/drawing/2014/main" id="{2A49B2CA-FCEC-4E4D-8CC9-A932B235B2C4}"/>
+                <a16:creationId xmlns:a16="http://schemas.microsoft.com/office/drawing/2014/main" id="{E047C88F-2A35-4835-BB9B-44E003B8FD17}"/>
               </a:ext>
             </a:extLst>
           </p:cNvPr>
-          <p:cNvPicPr>
-            <a:picLocks noChangeAspect="1"/>
-          </p:cNvPicPr>
+          <p:cNvSpPr txBox="1"/>
           <p:nvPr/>
-        </p:nvPicPr>
-        <p:blipFill>
-          <a:blip r:embed="rId2"/>
-          <a:stretch>
-            <a:fillRect/>
-          </a:stretch>
-        </p:blipFill>
-        <p:spPr>
-          <a:xfrm>
-            <a:off x="415637" y="1764149"/>
-            <a:ext cx="8312727" cy="3825091"/>
+        </p:nvSpPr>
+        <p:spPr>
+          <a:xfrm>
+            <a:off x="1223628" y="1700808"/>
+            <a:ext cx="6516724" cy="3416320"/>
           </a:xfrm>
           <a:prstGeom prst="rect">
             <a:avLst/>
           </a:prstGeom>
-        </p:spPr>
-      </p:pic>
+          <a:noFill/>
+        </p:spPr>
+        <p:txBody>
+          <a:bodyPr wrap="square" rtlCol="0">
+            <a:spAutoFit/>
+          </a:bodyPr>
+          <a:lstStyle/>
+          <a:p>
+            <a:pPr marL="285750" indent="-285750">
+              <a:buFontTx/>
+              <a:buChar char="-"/>
+            </a:pPr>
+            <a:r>
+              <a:rPr lang="en-US" altLang="ko-KR" dirty="0"/>
+              <a:t>Skip connection </a:t>
+            </a:r>
+          </a:p>
+          <a:p>
+            <a:r>
+              <a:rPr lang="en-US" altLang="ko-KR" dirty="0" err="1"/>
+              <a:t>i-th</a:t>
+            </a:r>
+            <a:r>
+              <a:rPr lang="en-US" altLang="ko-KR" dirty="0"/>
+              <a:t> layer</a:t>
+            </a:r>
+            <a:r>
+              <a:rPr lang="ko-KR" altLang="en-US" dirty="0"/>
+              <a:t>에서 </a:t>
+            </a:r>
+            <a:r>
+              <a:rPr lang="en-US" altLang="ko-KR" dirty="0"/>
+              <a:t>i+1-th layer </a:t>
+            </a:r>
+            <a:r>
+              <a:rPr lang="ko-KR" altLang="en-US" dirty="0"/>
+              <a:t>가 아닌 </a:t>
+            </a:r>
+            <a:r>
+              <a:rPr lang="en-US" altLang="ko-KR" dirty="0"/>
+              <a:t>i+2-th layer</a:t>
+            </a:r>
+            <a:r>
+              <a:rPr lang="ko-KR" altLang="en-US" dirty="0"/>
+              <a:t>로 바로 넘겨 </a:t>
+            </a:r>
+            <a:r>
+              <a:rPr lang="en-US" altLang="ko-KR" dirty="0"/>
+              <a:t>gradient flow</a:t>
+            </a:r>
+            <a:r>
+              <a:rPr lang="ko-KR" altLang="en-US" dirty="0"/>
+              <a:t>를 용이하게 만드는 기법</a:t>
+            </a:r>
+            <a:endParaRPr lang="en-US" altLang="ko-KR" dirty="0"/>
+          </a:p>
+          <a:p>
+            <a:endParaRPr lang="en-US" altLang="ko-KR" dirty="0"/>
+          </a:p>
+          <a:p>
+            <a:pPr marL="285750" indent="-285750">
+              <a:buFontTx/>
+              <a:buChar char="-"/>
+            </a:pPr>
+            <a:r>
+              <a:rPr lang="en-US" altLang="ko-KR" dirty="0"/>
+              <a:t>Attention</a:t>
+            </a:r>
+          </a:p>
+          <a:p>
+            <a:r>
+              <a:rPr lang="en-US" altLang="ko-KR" dirty="0"/>
+              <a:t>Representation</a:t>
+            </a:r>
+            <a:r>
+              <a:rPr lang="ko-KR" altLang="en-US" dirty="0"/>
+              <a:t>의 일부만 선택적으로 넘겨서 효율을 향상시키는 방법</a:t>
+            </a:r>
+            <a:endParaRPr lang="en-US" altLang="ko-KR" dirty="0"/>
+          </a:p>
+          <a:p>
+            <a:endParaRPr lang="en-US" altLang="ko-KR" dirty="0"/>
+          </a:p>
+          <a:p>
+            <a:pPr marL="285750" indent="-285750">
+              <a:buFontTx/>
+              <a:buChar char="-"/>
+            </a:pPr>
+            <a:r>
+              <a:rPr lang="en-US" altLang="ko-KR" dirty="0"/>
+              <a:t>Convolutional filter</a:t>
+            </a:r>
+          </a:p>
+          <a:p>
+            <a:r>
+              <a:rPr lang="en-US" altLang="ko-KR" dirty="0"/>
+              <a:t>Convolution network </a:t>
+            </a:r>
+            <a:r>
+              <a:rPr lang="ko-KR" altLang="en-US" dirty="0"/>
+              <a:t>도메인 내에서 </a:t>
+            </a:r>
+            <a:r>
+              <a:rPr lang="en-US" altLang="ko-KR" dirty="0"/>
+              <a:t>filter</a:t>
+            </a:r>
+            <a:r>
+              <a:rPr lang="ko-KR" altLang="en-US" dirty="0"/>
+              <a:t>를 공유함으로써 적은 파라미터로도 복잡한 패턴을 효율적으로 잡아낼 수 있게 설계하는 방법</a:t>
+            </a:r>
+            <a:endParaRPr lang="en-US" altLang="ko-KR" dirty="0"/>
+          </a:p>
+        </p:txBody>
+      </p:sp>
     </p:spTree>
     <p:extLst>
       <p:ext uri="{BB962C8B-B14F-4D97-AF65-F5344CB8AC3E}">
-        <p14:creationId xmlns:p14="http://schemas.microsoft.com/office/powerpoint/2010/main" val="2056595254"/>
+        <p14:creationId xmlns:p14="http://schemas.microsoft.com/office/powerpoint/2010/main" val="570784934"/>
       </p:ext>
     </p:extLst>
   </p:cSld>
@@ -3107,7 +3253,7 @@
         <p:spPr/>
         <p:txBody>
           <a:bodyPr>
-            <a:normAutofit fontScale="90000"/>
+            <a:normAutofit/>
           </a:bodyPr>
           <a:lstStyle/>
           <a:p>
@@ -3116,17 +3262,53 @@
             </a:pPr>
             <a:r>
               <a:rPr lang="en-US" altLang="ko-KR" dirty="0"/>
-              <a:t>Sigmoid Units for Bernoulli Output Distribution</a:t>
-            </a:r>
+              <a:t>Other Architectural considerations</a:t>
+            </a:r>
+          </a:p>
+        </p:txBody>
+      </p:sp>
+      <p:sp>
+        <p:nvSpPr>
+          <p:cNvPr id="3" name="TextBox 2">
+            <a:extLst>
+              <a:ext uri="{FF2B5EF4-FFF2-40B4-BE49-F238E27FC236}">
+                <a16:creationId xmlns:a16="http://schemas.microsoft.com/office/drawing/2014/main" id="{C7B98AC0-6D7C-46CB-A929-048CBECF7EF1}"/>
+              </a:ext>
+            </a:extLst>
+          </p:cNvPr>
+          <p:cNvSpPr txBox="1"/>
+          <p:nvPr/>
+        </p:nvSpPr>
+        <p:spPr>
+          <a:xfrm>
+            <a:off x="1223628" y="5530006"/>
+            <a:ext cx="6516724" cy="369332"/>
+          </a:xfrm>
+          <a:prstGeom prst="rect">
+            <a:avLst/>
+          </a:prstGeom>
+          <a:noFill/>
+        </p:spPr>
+        <p:txBody>
+          <a:bodyPr wrap="square" rtlCol="0">
+            <a:spAutoFit/>
+          </a:bodyPr>
+          <a:lstStyle/>
+          <a:p>
+            <a:r>
+              <a:rPr lang="en-US" altLang="ko-KR" dirty="0"/>
+              <a:t>                                number of hidden layer</a:t>
+            </a:r>
+            <a:endParaRPr lang="ko-KR" altLang="en-US" dirty="0"/>
           </a:p>
         </p:txBody>
       </p:sp>
       <p:pic>
         <p:nvPicPr>
-          <p:cNvPr id="4" name="Picture 3">
+          <p:cNvPr id="5" name="Picture 4">
             <a:extLst>
               <a:ext uri="{FF2B5EF4-FFF2-40B4-BE49-F238E27FC236}">
-                <a16:creationId xmlns:a16="http://schemas.microsoft.com/office/drawing/2014/main" id="{F96E2433-8475-46AE-81FB-857DB6F217CC}"/>
+                <a16:creationId xmlns:a16="http://schemas.microsoft.com/office/drawing/2014/main" id="{2FF3116B-2A9D-405C-A8CE-8FB9034F19DB}"/>
               </a:ext>
             </a:extLst>
           </p:cNvPr>
@@ -3143,8 +3325,8 @@
         </p:blipFill>
         <p:spPr>
           <a:xfrm>
-            <a:off x="415637" y="2158820"/>
-            <a:ext cx="8312727" cy="2540359"/>
+            <a:off x="523310" y="1412776"/>
+            <a:ext cx="8097380" cy="4172532"/>
           </a:xfrm>
           <a:prstGeom prst="rect">
             <a:avLst/>
@@ -3154,7 +3336,7 @@
     </p:spTree>
     <p:extLst>
       <p:ext uri="{BB962C8B-B14F-4D97-AF65-F5344CB8AC3E}">
-        <p14:creationId xmlns:p14="http://schemas.microsoft.com/office/powerpoint/2010/main" val="4030436284"/>
+        <p14:creationId xmlns:p14="http://schemas.microsoft.com/office/powerpoint/2010/main" val="1889698083"/>
       </p:ext>
     </p:extLst>
   </p:cSld>
@@ -3195,7 +3377,7 @@
         <p:spPr/>
         <p:txBody>
           <a:bodyPr>
-            <a:normAutofit fontScale="90000"/>
+            <a:normAutofit/>
           </a:bodyPr>
           <a:lstStyle/>
           <a:p>
@@ -3203,249 +3385,10 @@
               <a:defRPr/>
             </a:pPr>
             <a:r>
-              <a:rPr lang="en-US" altLang="ko-KR" dirty="0" err="1"/>
-              <a:t>Softmax</a:t>
-            </a:r>
-            <a:r>
-              <a:rPr lang="en-US" altLang="ko-KR" dirty="0"/>
-              <a:t> Units for </a:t>
-            </a:r>
-            <a:r>
-              <a:rPr lang="en-US" altLang="ko-KR" dirty="0" err="1"/>
-              <a:t>Multinoulli</a:t>
-            </a:r>
-            <a:r>
-              <a:rPr lang="en-US" altLang="ko-KR" dirty="0"/>
-              <a:t> Output Distribution</a:t>
-            </a:r>
-          </a:p>
-        </p:txBody>
-      </p:sp>
-    </p:spTree>
-    <p:extLst>
-      <p:ext uri="{BB962C8B-B14F-4D97-AF65-F5344CB8AC3E}">
-        <p14:creationId xmlns:p14="http://schemas.microsoft.com/office/powerpoint/2010/main" val="1088177769"/>
-      </p:ext>
-    </p:extLst>
-  </p:cSld>
-  <p:clrMapOvr>
-    <a:masterClrMapping/>
-  </p:clrMapOvr>
-  <p:transition/>
-</p:sld>
-</file>
-
-<file path=ppt/slides/slide14.xml><?xml version="1.0" encoding="utf-8"?>
-<p:sld xmlns:a="http://schemas.openxmlformats.org/drawingml/2006/main" xmlns:r="http://schemas.openxmlformats.org/officeDocument/2006/relationships" xmlns:p="http://schemas.openxmlformats.org/presentationml/2006/main">
-  <p:cSld>
-    <p:spTree>
-      <p:nvGrpSpPr>
-        <p:cNvPr id="1" name=""/>
-        <p:cNvGrpSpPr/>
-        <p:nvPr/>
-      </p:nvGrpSpPr>
-      <p:grpSpPr>
-        <a:xfrm>
-          <a:off x="0" y="0"/>
-          <a:ext cx="0" cy="0"/>
-          <a:chOff x="0" y="0"/>
-          <a:chExt cx="0" cy="0"/>
-        </a:xfrm>
-      </p:grpSpPr>
-      <p:sp>
-        <p:nvSpPr>
-          <p:cNvPr id="2" name="제목 1"/>
-          <p:cNvSpPr>
-            <a:spLocks noGrp="1"/>
-          </p:cNvSpPr>
-          <p:nvPr>
-            <p:ph type="ctrTitle" idx="13"/>
-          </p:nvPr>
-        </p:nvSpPr>
-        <p:spPr/>
-        <p:txBody>
-          <a:bodyPr>
-            <a:normAutofit fontScale="90000"/>
-          </a:bodyPr>
-          <a:lstStyle/>
-          <a:p>
-            <a:pPr>
-              <a:defRPr/>
-            </a:pPr>
-            <a:r>
-              <a:rPr lang="en-US" altLang="ko-KR" dirty="0" err="1"/>
-              <a:t>Softmax</a:t>
-            </a:r>
-            <a:r>
-              <a:rPr lang="en-US" altLang="ko-KR" dirty="0"/>
-              <a:t> Units for </a:t>
-            </a:r>
-            <a:r>
-              <a:rPr lang="en-US" altLang="ko-KR" dirty="0" err="1"/>
-              <a:t>Multinoulli</a:t>
-            </a:r>
-            <a:r>
-              <a:rPr lang="en-US" altLang="ko-KR" dirty="0"/>
-              <a:t> Output Distribution</a:t>
-            </a:r>
-          </a:p>
-        </p:txBody>
-      </p:sp>
-      <p:sp>
-        <p:nvSpPr>
-          <p:cNvPr id="4" name="TextBox 3">
-            <a:extLst>
-              <a:ext uri="{FF2B5EF4-FFF2-40B4-BE49-F238E27FC236}">
-                <a16:creationId xmlns:a16="http://schemas.microsoft.com/office/drawing/2014/main" id="{39F631E5-2A74-4617-976D-2DF269B98705}"/>
-              </a:ext>
-            </a:extLst>
-          </p:cNvPr>
-          <p:cNvSpPr txBox="1"/>
-          <p:nvPr/>
-        </p:nvSpPr>
-        <p:spPr>
-          <a:xfrm>
-            <a:off x="1295636" y="1702549"/>
-            <a:ext cx="6444716" cy="646331"/>
-          </a:xfrm>
-          <a:prstGeom prst="rect">
-            <a:avLst/>
-          </a:prstGeom>
-          <a:noFill/>
-        </p:spPr>
-        <p:txBody>
-          <a:bodyPr wrap="square" rtlCol="0">
-            <a:spAutoFit/>
-          </a:bodyPr>
-          <a:lstStyle/>
-          <a:p>
-            <a:r>
-              <a:rPr lang="en-US" altLang="ko-KR" dirty="0"/>
-              <a:t>N</a:t>
-            </a:r>
-            <a:r>
-              <a:rPr lang="ko-KR" altLang="en-US" dirty="0"/>
-              <a:t>개의 클래스에 대해 확률분포</a:t>
+              <a:rPr lang="en-US" altLang="ko-KR"/>
+              <a:t>Other Architectural considerations</a:t>
             </a:r>
             <a:endParaRPr lang="en-US" altLang="ko-KR" dirty="0"/>
-          </a:p>
-          <a:p>
-            <a:r>
-              <a:rPr lang="en-US" altLang="ko-KR" dirty="0"/>
-              <a:t>-&gt; </a:t>
-            </a:r>
-            <a:r>
-              <a:rPr lang="en-US" altLang="ko-KR" dirty="0" err="1"/>
-              <a:t>softmax</a:t>
-            </a:r>
-            <a:r>
-              <a:rPr lang="en-US" altLang="ko-KR" dirty="0"/>
-              <a:t> function </a:t>
-            </a:r>
-            <a:r>
-              <a:rPr lang="ko-KR" altLang="en-US" dirty="0"/>
-              <a:t>사용</a:t>
-            </a:r>
-          </a:p>
-        </p:txBody>
-      </p:sp>
-      <p:pic>
-        <p:nvPicPr>
-          <p:cNvPr id="6" name="Picture 5">
-            <a:extLst>
-              <a:ext uri="{FF2B5EF4-FFF2-40B4-BE49-F238E27FC236}">
-                <a16:creationId xmlns:a16="http://schemas.microsoft.com/office/drawing/2014/main" id="{87F36819-785B-4A91-AC63-8757F20E3759}"/>
-              </a:ext>
-            </a:extLst>
-          </p:cNvPr>
-          <p:cNvPicPr>
-            <a:picLocks noChangeAspect="1"/>
-          </p:cNvPicPr>
-          <p:nvPr/>
-        </p:nvPicPr>
-        <p:blipFill>
-          <a:blip r:embed="rId3"/>
-          <a:stretch>
-            <a:fillRect/>
-          </a:stretch>
-        </p:blipFill>
-        <p:spPr>
-          <a:xfrm>
-            <a:off x="1449262" y="2456892"/>
-            <a:ext cx="6245476" cy="4073926"/>
-          </a:xfrm>
-          <a:prstGeom prst="rect">
-            <a:avLst/>
-          </a:prstGeom>
-        </p:spPr>
-      </p:pic>
-    </p:spTree>
-    <p:extLst>
-      <p:ext uri="{BB962C8B-B14F-4D97-AF65-F5344CB8AC3E}">
-        <p14:creationId xmlns:p14="http://schemas.microsoft.com/office/powerpoint/2010/main" val="1026351098"/>
-      </p:ext>
-    </p:extLst>
-  </p:cSld>
-  <p:clrMapOvr>
-    <a:masterClrMapping/>
-  </p:clrMapOvr>
-  <p:transition/>
-</p:sld>
-</file>
-
-<file path=ppt/slides/slide15.xml><?xml version="1.0" encoding="utf-8"?>
-<p:sld xmlns:a="http://schemas.openxmlformats.org/drawingml/2006/main" xmlns:r="http://schemas.openxmlformats.org/officeDocument/2006/relationships" xmlns:p="http://schemas.openxmlformats.org/presentationml/2006/main">
-  <p:cSld>
-    <p:spTree>
-      <p:nvGrpSpPr>
-        <p:cNvPr id="1" name=""/>
-        <p:cNvGrpSpPr/>
-        <p:nvPr/>
-      </p:nvGrpSpPr>
-      <p:grpSpPr>
-        <a:xfrm>
-          <a:off x="0" y="0"/>
-          <a:ext cx="0" cy="0"/>
-          <a:chOff x="0" y="0"/>
-          <a:chExt cx="0" cy="0"/>
-        </a:xfrm>
-      </p:grpSpPr>
-      <p:sp>
-        <p:nvSpPr>
-          <p:cNvPr id="2" name="제목 1"/>
-          <p:cNvSpPr>
-            <a:spLocks noGrp="1"/>
-          </p:cNvSpPr>
-          <p:nvPr>
-            <p:ph type="ctrTitle" idx="13"/>
-          </p:nvPr>
-        </p:nvSpPr>
-        <p:spPr/>
-        <p:txBody>
-          <a:bodyPr>
-            <a:normAutofit fontScale="90000"/>
-          </a:bodyPr>
-          <a:lstStyle/>
-          <a:p>
-            <a:pPr>
-              <a:defRPr/>
-            </a:pPr>
-            <a:r>
-              <a:rPr lang="en-US" altLang="ko-KR" dirty="0" err="1"/>
-              <a:t>Softmax</a:t>
-            </a:r>
-            <a:r>
-              <a:rPr lang="en-US" altLang="ko-KR" dirty="0"/>
-              <a:t> Units for </a:t>
-            </a:r>
-            <a:r>
-              <a:rPr lang="en-US" altLang="ko-KR" dirty="0" err="1"/>
-              <a:t>Multinoulli</a:t>
-            </a:r>
-            <a:r>
-              <a:rPr lang="en-US" altLang="ko-KR" dirty="0"/>
-              <a:t> Output Distribution</a:t>
-            </a:r>
           </a:p>
         </p:txBody>
       </p:sp>
@@ -3454,7 +3397,7 @@
           <p:cNvPr id="4" name="Picture 3">
             <a:extLst>
               <a:ext uri="{FF2B5EF4-FFF2-40B4-BE49-F238E27FC236}">
-                <a16:creationId xmlns:a16="http://schemas.microsoft.com/office/drawing/2014/main" id="{228BCBD6-D273-4E36-AC54-1A9E727CFBFB}"/>
+                <a16:creationId xmlns:a16="http://schemas.microsoft.com/office/drawing/2014/main" id="{30FFA961-B3BF-4EB1-AE73-00E276A7BEB8}"/>
               </a:ext>
             </a:extLst>
           </p:cNvPr>
@@ -3471,38 +3414,8 @@
         </p:blipFill>
         <p:spPr>
           <a:xfrm>
-            <a:off x="1947862" y="2708920"/>
-            <a:ext cx="5248275" cy="742950"/>
-          </a:xfrm>
-          <a:prstGeom prst="rect">
-            <a:avLst/>
-          </a:prstGeom>
-        </p:spPr>
-      </p:pic>
-      <p:pic>
-        <p:nvPicPr>
-          <p:cNvPr id="6" name="Picture 5">
-            <a:extLst>
-              <a:ext uri="{FF2B5EF4-FFF2-40B4-BE49-F238E27FC236}">
-                <a16:creationId xmlns:a16="http://schemas.microsoft.com/office/drawing/2014/main" id="{F284E50B-9A0B-477E-B1FE-40339F62B553}"/>
-              </a:ext>
-            </a:extLst>
-          </p:cNvPr>
-          <p:cNvPicPr>
-            <a:picLocks noChangeAspect="1"/>
-          </p:cNvPicPr>
-          <p:nvPr/>
-        </p:nvPicPr>
-        <p:blipFill>
-          <a:blip r:embed="rId3"/>
-          <a:stretch>
-            <a:fillRect/>
-          </a:stretch>
-        </p:blipFill>
-        <p:spPr>
-          <a:xfrm>
-            <a:off x="1400175" y="3782169"/>
-            <a:ext cx="6343650" cy="942975"/>
+            <a:off x="381536" y="1714535"/>
+            <a:ext cx="8438936" cy="4126733"/>
           </a:xfrm>
           <a:prstGeom prst="rect">
             <a:avLst/>
@@ -3512,473 +3425,7 @@
     </p:spTree>
     <p:extLst>
       <p:ext uri="{BB962C8B-B14F-4D97-AF65-F5344CB8AC3E}">
-        <p14:creationId xmlns:p14="http://schemas.microsoft.com/office/powerpoint/2010/main" val="1973403525"/>
-      </p:ext>
-    </p:extLst>
-  </p:cSld>
-  <p:clrMapOvr>
-    <a:masterClrMapping/>
-  </p:clrMapOvr>
-  <p:transition/>
-</p:sld>
-</file>
-
-<file path=ppt/slides/slide16.xml><?xml version="1.0" encoding="utf-8"?>
-<p:sld xmlns:a="http://schemas.openxmlformats.org/drawingml/2006/main" xmlns:r="http://schemas.openxmlformats.org/officeDocument/2006/relationships" xmlns:p="http://schemas.openxmlformats.org/presentationml/2006/main">
-  <p:cSld>
-    <p:spTree>
-      <p:nvGrpSpPr>
-        <p:cNvPr id="1" name=""/>
-        <p:cNvGrpSpPr/>
-        <p:nvPr/>
-      </p:nvGrpSpPr>
-      <p:grpSpPr>
-        <a:xfrm>
-          <a:off x="0" y="0"/>
-          <a:ext cx="0" cy="0"/>
-          <a:chOff x="0" y="0"/>
-          <a:chExt cx="0" cy="0"/>
-        </a:xfrm>
-      </p:grpSpPr>
-      <p:sp>
-        <p:nvSpPr>
-          <p:cNvPr id="2" name="제목 1"/>
-          <p:cNvSpPr>
-            <a:spLocks noGrp="1"/>
-          </p:cNvSpPr>
-          <p:nvPr>
-            <p:ph type="ctrTitle" idx="13"/>
-          </p:nvPr>
-        </p:nvSpPr>
-        <p:spPr/>
-        <p:txBody>
-          <a:bodyPr>
-            <a:normAutofit fontScale="90000"/>
-          </a:bodyPr>
-          <a:lstStyle/>
-          <a:p>
-            <a:pPr>
-              <a:defRPr/>
-            </a:pPr>
-            <a:r>
-              <a:rPr lang="en-US" altLang="ko-KR" dirty="0" err="1"/>
-              <a:t>Softmax</a:t>
-            </a:r>
-            <a:r>
-              <a:rPr lang="en-US" altLang="ko-KR" dirty="0"/>
-              <a:t> Units for </a:t>
-            </a:r>
-            <a:r>
-              <a:rPr lang="en-US" altLang="ko-KR" dirty="0" err="1"/>
-              <a:t>Multinoulli</a:t>
-            </a:r>
-            <a:r>
-              <a:rPr lang="en-US" altLang="ko-KR" dirty="0"/>
-              <a:t> Output Distribution</a:t>
-            </a:r>
-          </a:p>
-        </p:txBody>
-      </p:sp>
-      <p:pic>
-        <p:nvPicPr>
-          <p:cNvPr id="4" name="Picture 3">
-            <a:extLst>
-              <a:ext uri="{FF2B5EF4-FFF2-40B4-BE49-F238E27FC236}">
-                <a16:creationId xmlns:a16="http://schemas.microsoft.com/office/drawing/2014/main" id="{13510E04-B726-46D7-8FCA-A0BFE45A9227}"/>
-              </a:ext>
-            </a:extLst>
-          </p:cNvPr>
-          <p:cNvPicPr>
-            <a:picLocks noChangeAspect="1"/>
-          </p:cNvPicPr>
-          <p:nvPr/>
-        </p:nvPicPr>
-        <p:blipFill>
-          <a:blip r:embed="rId2"/>
-          <a:stretch>
-            <a:fillRect/>
-          </a:stretch>
-        </p:blipFill>
-        <p:spPr>
-          <a:xfrm>
-            <a:off x="415637" y="2274098"/>
-            <a:ext cx="8312727" cy="2309803"/>
-          </a:xfrm>
-          <a:prstGeom prst="rect">
-            <a:avLst/>
-          </a:prstGeom>
-        </p:spPr>
-      </p:pic>
-    </p:spTree>
-    <p:extLst>
-      <p:ext uri="{BB962C8B-B14F-4D97-AF65-F5344CB8AC3E}">
-        <p14:creationId xmlns:p14="http://schemas.microsoft.com/office/powerpoint/2010/main" val="34967054"/>
-      </p:ext>
-    </p:extLst>
-  </p:cSld>
-  <p:clrMapOvr>
-    <a:masterClrMapping/>
-  </p:clrMapOvr>
-  <p:transition/>
-</p:sld>
-</file>
-
-<file path=ppt/slides/slide17.xml><?xml version="1.0" encoding="utf-8"?>
-<p:sld xmlns:a="http://schemas.openxmlformats.org/drawingml/2006/main" xmlns:r="http://schemas.openxmlformats.org/officeDocument/2006/relationships" xmlns:p="http://schemas.openxmlformats.org/presentationml/2006/main">
-  <p:cSld>
-    <p:spTree>
-      <p:nvGrpSpPr>
-        <p:cNvPr id="1" name=""/>
-        <p:cNvGrpSpPr/>
-        <p:nvPr/>
-      </p:nvGrpSpPr>
-      <p:grpSpPr>
-        <a:xfrm>
-          <a:off x="0" y="0"/>
-          <a:ext cx="0" cy="0"/>
-          <a:chOff x="0" y="0"/>
-          <a:chExt cx="0" cy="0"/>
-        </a:xfrm>
-      </p:grpSpPr>
-      <p:sp>
-        <p:nvSpPr>
-          <p:cNvPr id="2" name="제목 1"/>
-          <p:cNvSpPr>
-            <a:spLocks noGrp="1"/>
-          </p:cNvSpPr>
-          <p:nvPr>
-            <p:ph type="ctrTitle" idx="13"/>
-          </p:nvPr>
-        </p:nvSpPr>
-        <p:spPr/>
-        <p:txBody>
-          <a:bodyPr>
-            <a:normAutofit fontScale="90000"/>
-          </a:bodyPr>
-          <a:lstStyle/>
-          <a:p>
-            <a:pPr>
-              <a:defRPr/>
-            </a:pPr>
-            <a:r>
-              <a:rPr lang="en-US" altLang="ko-KR" dirty="0" err="1"/>
-              <a:t>Softmax</a:t>
-            </a:r>
-            <a:r>
-              <a:rPr lang="en-US" altLang="ko-KR" dirty="0"/>
-              <a:t> Units for </a:t>
-            </a:r>
-            <a:r>
-              <a:rPr lang="en-US" altLang="ko-KR" dirty="0" err="1"/>
-              <a:t>Multinoulli</a:t>
-            </a:r>
-            <a:r>
-              <a:rPr lang="en-US" altLang="ko-KR" dirty="0"/>
-              <a:t> Output Distribution</a:t>
-            </a:r>
-          </a:p>
-        </p:txBody>
-      </p:sp>
-      <p:sp>
-        <p:nvSpPr>
-          <p:cNvPr id="3" name="TextBox 2">
-            <a:extLst>
-              <a:ext uri="{FF2B5EF4-FFF2-40B4-BE49-F238E27FC236}">
-                <a16:creationId xmlns:a16="http://schemas.microsoft.com/office/drawing/2014/main" id="{C035BB7A-D828-4D0F-A2D0-FE2DC83A7495}"/>
-              </a:ext>
-            </a:extLst>
-          </p:cNvPr>
-          <p:cNvSpPr txBox="1"/>
-          <p:nvPr/>
-        </p:nvSpPr>
-        <p:spPr>
-          <a:xfrm>
-            <a:off x="1223628" y="1664804"/>
-            <a:ext cx="6516724" cy="1200329"/>
-          </a:xfrm>
-          <a:prstGeom prst="rect">
-            <a:avLst/>
-          </a:prstGeom>
-          <a:noFill/>
-        </p:spPr>
-        <p:txBody>
-          <a:bodyPr wrap="square" rtlCol="0">
-            <a:spAutoFit/>
-          </a:bodyPr>
-          <a:lstStyle/>
-          <a:p>
-            <a:r>
-              <a:rPr lang="en-US" altLang="ko-KR" dirty="0" err="1"/>
-              <a:t>Softmax</a:t>
-            </a:r>
-            <a:r>
-              <a:rPr lang="ko-KR" altLang="en-US" dirty="0"/>
-              <a:t>의 인자인 </a:t>
-            </a:r>
-            <a:r>
-              <a:rPr lang="en-US" altLang="ko-KR" dirty="0"/>
-              <a:t>z</a:t>
-            </a:r>
-            <a:r>
-              <a:rPr lang="ko-KR" altLang="en-US" dirty="0"/>
-              <a:t>를 구하는 방법</a:t>
-            </a:r>
-            <a:endParaRPr lang="en-US" altLang="ko-KR" dirty="0"/>
-          </a:p>
-          <a:p>
-            <a:endParaRPr lang="en-US" altLang="ko-KR" dirty="0"/>
-          </a:p>
-          <a:p>
-            <a:r>
-              <a:rPr lang="en-US" altLang="ko-KR" dirty="0"/>
-              <a:t>1. Overparameterized version</a:t>
-            </a:r>
-          </a:p>
-          <a:p>
-            <a:r>
-              <a:rPr lang="en-US" altLang="ko-KR" dirty="0"/>
-              <a:t>2. Restricted version</a:t>
-            </a:r>
-            <a:endParaRPr lang="ko-KR" altLang="en-US" dirty="0"/>
-          </a:p>
-        </p:txBody>
-      </p:sp>
-    </p:spTree>
-    <p:extLst>
-      <p:ext uri="{BB962C8B-B14F-4D97-AF65-F5344CB8AC3E}">
-        <p14:creationId xmlns:p14="http://schemas.microsoft.com/office/powerpoint/2010/main" val="475638229"/>
-      </p:ext>
-    </p:extLst>
-  </p:cSld>
-  <p:clrMapOvr>
-    <a:masterClrMapping/>
-  </p:clrMapOvr>
-  <p:transition/>
-</p:sld>
-</file>
-
-<file path=ppt/slides/slide18.xml><?xml version="1.0" encoding="utf-8"?>
-<p:sld xmlns:a="http://schemas.openxmlformats.org/drawingml/2006/main" xmlns:r="http://schemas.openxmlformats.org/officeDocument/2006/relationships" xmlns:p="http://schemas.openxmlformats.org/presentationml/2006/main">
-  <p:cSld>
-    <p:spTree>
-      <p:nvGrpSpPr>
-        <p:cNvPr id="1" name=""/>
-        <p:cNvGrpSpPr/>
-        <p:nvPr/>
-      </p:nvGrpSpPr>
-      <p:grpSpPr>
-        <a:xfrm>
-          <a:off x="0" y="0"/>
-          <a:ext cx="0" cy="0"/>
-          <a:chOff x="0" y="0"/>
-          <a:chExt cx="0" cy="0"/>
-        </a:xfrm>
-      </p:grpSpPr>
-      <p:sp>
-        <p:nvSpPr>
-          <p:cNvPr id="2" name="제목 1"/>
-          <p:cNvSpPr>
-            <a:spLocks noGrp="1"/>
-          </p:cNvSpPr>
-          <p:nvPr>
-            <p:ph type="ctrTitle" idx="13"/>
-          </p:nvPr>
-        </p:nvSpPr>
-        <p:spPr/>
-        <p:txBody>
-          <a:bodyPr>
-            <a:normAutofit fontScale="90000"/>
-          </a:bodyPr>
-          <a:lstStyle/>
-          <a:p>
-            <a:pPr>
-              <a:defRPr/>
-            </a:pPr>
-            <a:r>
-              <a:rPr lang="en-US" altLang="ko-KR" dirty="0" err="1"/>
-              <a:t>Softmax</a:t>
-            </a:r>
-            <a:r>
-              <a:rPr lang="en-US" altLang="ko-KR" dirty="0"/>
-              <a:t> Units for </a:t>
-            </a:r>
-            <a:r>
-              <a:rPr lang="en-US" altLang="ko-KR" dirty="0" err="1"/>
-              <a:t>Multinoulli</a:t>
-            </a:r>
-            <a:r>
-              <a:rPr lang="en-US" altLang="ko-KR" dirty="0"/>
-              <a:t> Output Distribution</a:t>
-            </a:r>
-          </a:p>
-        </p:txBody>
-      </p:sp>
-      <p:sp>
-        <p:nvSpPr>
-          <p:cNvPr id="3" name="TextBox 2">
-            <a:extLst>
-              <a:ext uri="{FF2B5EF4-FFF2-40B4-BE49-F238E27FC236}">
-                <a16:creationId xmlns:a16="http://schemas.microsoft.com/office/drawing/2014/main" id="{E047C88F-2A35-4835-BB9B-44E003B8FD17}"/>
-              </a:ext>
-            </a:extLst>
-          </p:cNvPr>
-          <p:cNvSpPr txBox="1"/>
-          <p:nvPr/>
-        </p:nvSpPr>
-        <p:spPr>
-          <a:xfrm>
-            <a:off x="1223628" y="1700808"/>
-            <a:ext cx="6516724" cy="923330"/>
-          </a:xfrm>
-          <a:prstGeom prst="rect">
-            <a:avLst/>
-          </a:prstGeom>
-          <a:noFill/>
-        </p:spPr>
-        <p:txBody>
-          <a:bodyPr wrap="square" rtlCol="0">
-            <a:spAutoFit/>
-          </a:bodyPr>
-          <a:lstStyle/>
-          <a:p>
-            <a:r>
-              <a:rPr lang="en-US" altLang="ko-KR" dirty="0" err="1"/>
-              <a:t>Softmax</a:t>
-            </a:r>
-            <a:r>
-              <a:rPr lang="ko-KR" altLang="en-US" dirty="0"/>
-              <a:t>는 하나의 결과값이 커지면 다른 값은 작아진다</a:t>
-            </a:r>
-            <a:r>
-              <a:rPr lang="en-US" altLang="ko-KR" dirty="0"/>
-              <a:t>.</a:t>
-            </a:r>
-          </a:p>
-          <a:p>
-            <a:endParaRPr lang="en-US" altLang="ko-KR" dirty="0"/>
-          </a:p>
-          <a:p>
-            <a:r>
-              <a:rPr lang="ko-KR" altLang="en-US" dirty="0"/>
-              <a:t>신경화학의 </a:t>
-            </a:r>
-            <a:r>
-              <a:rPr lang="en-US" altLang="ko-KR" dirty="0" err="1"/>
-              <a:t>Leteral</a:t>
-            </a:r>
-            <a:r>
-              <a:rPr lang="en-US" altLang="ko-KR" dirty="0"/>
-              <a:t> inhibition</a:t>
-            </a:r>
-            <a:r>
-              <a:rPr lang="ko-KR" altLang="en-US" dirty="0"/>
-              <a:t>과 유사하다</a:t>
-            </a:r>
-            <a:r>
-              <a:rPr lang="en-US" altLang="ko-KR" dirty="0"/>
-              <a:t>.</a:t>
-            </a:r>
-          </a:p>
-        </p:txBody>
-      </p:sp>
-    </p:spTree>
-    <p:extLst>
-      <p:ext uri="{BB962C8B-B14F-4D97-AF65-F5344CB8AC3E}">
-        <p14:creationId xmlns:p14="http://schemas.microsoft.com/office/powerpoint/2010/main" val="570784934"/>
-      </p:ext>
-    </p:extLst>
-  </p:cSld>
-  <p:clrMapOvr>
-    <a:masterClrMapping/>
-  </p:clrMapOvr>
-  <p:transition/>
-</p:sld>
-</file>
-
-<file path=ppt/slides/slide19.xml><?xml version="1.0" encoding="utf-8"?>
-<p:sld xmlns:a="http://schemas.openxmlformats.org/drawingml/2006/main" xmlns:r="http://schemas.openxmlformats.org/officeDocument/2006/relationships" xmlns:p="http://schemas.openxmlformats.org/presentationml/2006/main">
-  <p:cSld>
-    <p:spTree>
-      <p:nvGrpSpPr>
-        <p:cNvPr id="1" name=""/>
-        <p:cNvGrpSpPr/>
-        <p:nvPr/>
-      </p:nvGrpSpPr>
-      <p:grpSpPr>
-        <a:xfrm>
-          <a:off x="0" y="0"/>
-          <a:ext cx="0" cy="0"/>
-          <a:chOff x="0" y="0"/>
-          <a:chExt cx="0" cy="0"/>
-        </a:xfrm>
-      </p:grpSpPr>
-      <p:sp>
-        <p:nvSpPr>
-          <p:cNvPr id="2" name="제목 1"/>
-          <p:cNvSpPr>
-            <a:spLocks noGrp="1"/>
-          </p:cNvSpPr>
-          <p:nvPr>
-            <p:ph type="ctrTitle" idx="13"/>
-          </p:nvPr>
-        </p:nvSpPr>
-        <p:spPr/>
-        <p:txBody>
-          <a:bodyPr>
-            <a:normAutofit/>
-          </a:bodyPr>
-          <a:lstStyle/>
-          <a:p>
-            <a:pPr>
-              <a:defRPr/>
-            </a:pPr>
-            <a:r>
-              <a:rPr lang="en-US" altLang="ko-KR" dirty="0"/>
-              <a:t>Other Output Types</a:t>
-            </a:r>
-          </a:p>
-        </p:txBody>
-      </p:sp>
-      <p:sp>
-        <p:nvSpPr>
-          <p:cNvPr id="3" name="TextBox 2">
-            <a:extLst>
-              <a:ext uri="{FF2B5EF4-FFF2-40B4-BE49-F238E27FC236}">
-                <a16:creationId xmlns:a16="http://schemas.microsoft.com/office/drawing/2014/main" id="{C7B98AC0-6D7C-46CB-A929-048CBECF7EF1}"/>
-              </a:ext>
-            </a:extLst>
-          </p:cNvPr>
-          <p:cNvSpPr txBox="1"/>
-          <p:nvPr/>
-        </p:nvSpPr>
-        <p:spPr>
-          <a:xfrm>
-            <a:off x="1223628" y="1772816"/>
-            <a:ext cx="6516724" cy="923330"/>
-          </a:xfrm>
-          <a:prstGeom prst="rect">
-            <a:avLst/>
-          </a:prstGeom>
-          <a:noFill/>
-        </p:spPr>
-        <p:txBody>
-          <a:bodyPr wrap="square" rtlCol="0">
-            <a:spAutoFit/>
-          </a:bodyPr>
-          <a:lstStyle/>
-          <a:p>
-            <a:r>
-              <a:rPr lang="en-US" altLang="ko-KR" dirty="0"/>
-              <a:t>The principle of maximum likelihood provides a guide for how to design a good cost function for nearly any kind of output layer.</a:t>
-            </a:r>
-            <a:endParaRPr lang="ko-KR" altLang="en-US" dirty="0"/>
-          </a:p>
-        </p:txBody>
-      </p:sp>
-    </p:spTree>
-    <p:extLst>
-      <p:ext uri="{BB962C8B-B14F-4D97-AF65-F5344CB8AC3E}">
-        <p14:creationId xmlns:p14="http://schemas.microsoft.com/office/powerpoint/2010/main" val="1889698083"/>
+        <p14:creationId xmlns:p14="http://schemas.microsoft.com/office/powerpoint/2010/main" val="206780076"/>
       </p:ext>
     </p:extLst>
   </p:cSld>
@@ -4028,7 +3475,7 @@
             </a:pPr>
             <a:r>
               <a:rPr lang="en-US" altLang="ko-KR" dirty="0"/>
-              <a:t>Output Units</a:t>
+              <a:t>Architecture Design</a:t>
             </a:r>
           </a:p>
         </p:txBody>
@@ -4184,1611 +3631,10 @@
     <mc:Choice Requires="p14">
       <p:transition/>
     </mc:Choice>
-    <mc:Fallback xmlns="" xmlns:c="http://schemas.openxmlformats.org/drawingml/2006/chart" xmlns:dgm="http://schemas.openxmlformats.org/drawingml/2006/diagram" xmlns:dsp="http://schemas.microsoft.com/office/drawing/2008/diagram">
+    <mc:Fallback xmlns:dsp="http://schemas.microsoft.com/office/drawing/2008/diagram" xmlns:dgm="http://schemas.openxmlformats.org/drawingml/2006/diagram" xmlns:c="http://schemas.openxmlformats.org/drawingml/2006/chart" xmlns="">
       <p:transition/>
     </mc:Fallback>
   </mc:AlternateContent>
-</p:sld>
-</file>
-
-<file path=ppt/slides/slide20.xml><?xml version="1.0" encoding="utf-8"?>
-<p:sld xmlns:a="http://schemas.openxmlformats.org/drawingml/2006/main" xmlns:r="http://schemas.openxmlformats.org/officeDocument/2006/relationships" xmlns:p="http://schemas.openxmlformats.org/presentationml/2006/main">
-  <p:cSld>
-    <p:spTree>
-      <p:nvGrpSpPr>
-        <p:cNvPr id="1" name=""/>
-        <p:cNvGrpSpPr/>
-        <p:nvPr/>
-      </p:nvGrpSpPr>
-      <p:grpSpPr>
-        <a:xfrm>
-          <a:off x="0" y="0"/>
-          <a:ext cx="0" cy="0"/>
-          <a:chOff x="0" y="0"/>
-          <a:chExt cx="0" cy="0"/>
-        </a:xfrm>
-      </p:grpSpPr>
-      <p:sp>
-        <p:nvSpPr>
-          <p:cNvPr id="2" name="제목 1"/>
-          <p:cNvSpPr>
-            <a:spLocks noGrp="1"/>
-          </p:cNvSpPr>
-          <p:nvPr>
-            <p:ph type="ctrTitle" idx="13"/>
-          </p:nvPr>
-        </p:nvSpPr>
-        <p:spPr/>
-        <p:txBody>
-          <a:bodyPr>
-            <a:normAutofit/>
-          </a:bodyPr>
-          <a:lstStyle/>
-          <a:p>
-            <a:pPr>
-              <a:defRPr/>
-            </a:pPr>
-            <a:r>
-              <a:rPr lang="en-US" altLang="ko-KR" dirty="0"/>
-              <a:t>Other Output Types</a:t>
-            </a:r>
-          </a:p>
-        </p:txBody>
-      </p:sp>
-      <p:pic>
-        <p:nvPicPr>
-          <p:cNvPr id="5" name="Picture 4">
-            <a:extLst>
-              <a:ext uri="{FF2B5EF4-FFF2-40B4-BE49-F238E27FC236}">
-                <a16:creationId xmlns:a16="http://schemas.microsoft.com/office/drawing/2014/main" id="{1F4660F7-AFC3-4591-AC3E-5EE163E7E49E}"/>
-              </a:ext>
-            </a:extLst>
-          </p:cNvPr>
-          <p:cNvPicPr>
-            <a:picLocks noChangeAspect="1"/>
-          </p:cNvPicPr>
-          <p:nvPr/>
-        </p:nvPicPr>
-        <p:blipFill>
-          <a:blip r:embed="rId2"/>
-          <a:stretch>
-            <a:fillRect/>
-          </a:stretch>
-        </p:blipFill>
-        <p:spPr>
-          <a:xfrm>
-            <a:off x="3534728" y="1376772"/>
-            <a:ext cx="2074545" cy="586740"/>
-          </a:xfrm>
-          <a:prstGeom prst="rect">
-            <a:avLst/>
-          </a:prstGeom>
-        </p:spPr>
-      </p:pic>
-      <p:pic>
-        <p:nvPicPr>
-          <p:cNvPr id="7" name="Picture 6">
-            <a:extLst>
-              <a:ext uri="{FF2B5EF4-FFF2-40B4-BE49-F238E27FC236}">
-                <a16:creationId xmlns:a16="http://schemas.microsoft.com/office/drawing/2014/main" id="{54F2F3BD-3755-4D1E-A1CC-729508AFF3AD}"/>
-              </a:ext>
-            </a:extLst>
-          </p:cNvPr>
-          <p:cNvPicPr>
-            <a:picLocks noChangeAspect="1"/>
-          </p:cNvPicPr>
-          <p:nvPr/>
-        </p:nvPicPr>
-        <p:blipFill>
-          <a:blip r:embed="rId3"/>
-          <a:stretch>
-            <a:fillRect/>
-          </a:stretch>
-        </p:blipFill>
-        <p:spPr>
-          <a:xfrm>
-            <a:off x="3325178" y="2420888"/>
-            <a:ext cx="2493645" cy="681038"/>
-          </a:xfrm>
-          <a:prstGeom prst="rect">
-            <a:avLst/>
-          </a:prstGeom>
-        </p:spPr>
-      </p:pic>
-      <p:pic>
-        <p:nvPicPr>
-          <p:cNvPr id="9" name="Picture 8">
-            <a:extLst>
-              <a:ext uri="{FF2B5EF4-FFF2-40B4-BE49-F238E27FC236}">
-                <a16:creationId xmlns:a16="http://schemas.microsoft.com/office/drawing/2014/main" id="{BCD3BBBA-B765-4A61-8FA3-1546654BBECE}"/>
-              </a:ext>
-            </a:extLst>
-          </p:cNvPr>
-          <p:cNvPicPr>
-            <a:picLocks noChangeAspect="1"/>
-          </p:cNvPicPr>
-          <p:nvPr/>
-        </p:nvPicPr>
-        <p:blipFill>
-          <a:blip r:embed="rId4"/>
-          <a:stretch>
-            <a:fillRect/>
-          </a:stretch>
-        </p:blipFill>
-        <p:spPr>
-          <a:xfrm>
-            <a:off x="2979420" y="3525001"/>
-            <a:ext cx="3185160" cy="660083"/>
-          </a:xfrm>
-          <a:prstGeom prst="rect">
-            <a:avLst/>
-          </a:prstGeom>
-        </p:spPr>
-      </p:pic>
-    </p:spTree>
-    <p:extLst>
-      <p:ext uri="{BB962C8B-B14F-4D97-AF65-F5344CB8AC3E}">
-        <p14:creationId xmlns:p14="http://schemas.microsoft.com/office/powerpoint/2010/main" val="206780076"/>
-      </p:ext>
-    </p:extLst>
-  </p:cSld>
-  <p:clrMapOvr>
-    <a:masterClrMapping/>
-  </p:clrMapOvr>
-  <p:transition/>
-</p:sld>
-</file>
-
-<file path=ppt/slides/slide21.xml><?xml version="1.0" encoding="utf-8"?>
-<p:sld xmlns:a="http://schemas.openxmlformats.org/drawingml/2006/main" xmlns:r="http://schemas.openxmlformats.org/officeDocument/2006/relationships" xmlns:p="http://schemas.openxmlformats.org/presentationml/2006/main">
-  <p:cSld>
-    <p:spTree>
-      <p:nvGrpSpPr>
-        <p:cNvPr id="1" name=""/>
-        <p:cNvGrpSpPr/>
-        <p:nvPr/>
-      </p:nvGrpSpPr>
-      <p:grpSpPr>
-        <a:xfrm>
-          <a:off x="0" y="0"/>
-          <a:ext cx="0" cy="0"/>
-          <a:chOff x="0" y="0"/>
-          <a:chExt cx="0" cy="0"/>
-        </a:xfrm>
-      </p:grpSpPr>
-      <p:sp>
-        <p:nvSpPr>
-          <p:cNvPr id="2" name="제목 1"/>
-          <p:cNvSpPr>
-            <a:spLocks noGrp="1"/>
-          </p:cNvSpPr>
-          <p:nvPr>
-            <p:ph type="ctrTitle" idx="13"/>
-          </p:nvPr>
-        </p:nvSpPr>
-        <p:spPr/>
-        <p:txBody>
-          <a:bodyPr>
-            <a:normAutofit/>
-          </a:bodyPr>
-          <a:lstStyle/>
-          <a:p>
-            <a:pPr>
-              <a:defRPr/>
-            </a:pPr>
-            <a:r>
-              <a:rPr lang="en-US" altLang="ko-KR" dirty="0"/>
-              <a:t>Other Output Types</a:t>
-            </a:r>
-          </a:p>
-        </p:txBody>
-      </p:sp>
-      <p:sp>
-        <p:nvSpPr>
-          <p:cNvPr id="3" name="TextBox 2">
-            <a:extLst>
-              <a:ext uri="{FF2B5EF4-FFF2-40B4-BE49-F238E27FC236}">
-                <a16:creationId xmlns:a16="http://schemas.microsoft.com/office/drawing/2014/main" id="{C7B98AC0-6D7C-46CB-A929-048CBECF7EF1}"/>
-              </a:ext>
-            </a:extLst>
-          </p:cNvPr>
-          <p:cNvSpPr txBox="1"/>
-          <p:nvPr/>
-        </p:nvSpPr>
-        <p:spPr>
-          <a:xfrm>
-            <a:off x="1223628" y="1772816"/>
-            <a:ext cx="6516724" cy="1200329"/>
-          </a:xfrm>
-          <a:prstGeom prst="rect">
-            <a:avLst/>
-          </a:prstGeom>
-          <a:noFill/>
-        </p:spPr>
-        <p:txBody>
-          <a:bodyPr wrap="square" rtlCol="0">
-            <a:spAutoFit/>
-          </a:bodyPr>
-          <a:lstStyle/>
-          <a:p>
-            <a:r>
-              <a:rPr lang="en-US" altLang="ko-KR" dirty="0"/>
-              <a:t>In Learning variance of Conditional Gaussian Distribution</a:t>
-            </a:r>
-          </a:p>
-          <a:p>
-            <a:endParaRPr lang="en-US" altLang="ko-KR" dirty="0"/>
-          </a:p>
-          <a:p>
-            <a:endParaRPr lang="en-US" altLang="ko-KR" dirty="0"/>
-          </a:p>
-          <a:p>
-            <a:r>
-              <a:rPr lang="en-US" altLang="ko-KR" dirty="0"/>
-              <a:t>- Closed form</a:t>
-            </a:r>
-            <a:endParaRPr lang="ko-KR" altLang="en-US" dirty="0"/>
-          </a:p>
-        </p:txBody>
-      </p:sp>
-      <p:pic>
-        <p:nvPicPr>
-          <p:cNvPr id="7" name="Picture 6">
-            <a:extLst>
-              <a:ext uri="{FF2B5EF4-FFF2-40B4-BE49-F238E27FC236}">
-                <a16:creationId xmlns:a16="http://schemas.microsoft.com/office/drawing/2014/main" id="{E2381933-DCF9-42F1-8170-6A1C176482DB}"/>
-              </a:ext>
-            </a:extLst>
-          </p:cNvPr>
-          <p:cNvPicPr>
-            <a:picLocks noChangeAspect="1"/>
-          </p:cNvPicPr>
-          <p:nvPr/>
-        </p:nvPicPr>
-        <p:blipFill>
-          <a:blip r:embed="rId2"/>
-          <a:stretch>
-            <a:fillRect/>
-          </a:stretch>
-        </p:blipFill>
-        <p:spPr>
-          <a:xfrm>
-            <a:off x="415637" y="3104964"/>
-            <a:ext cx="8312727" cy="1371600"/>
-          </a:xfrm>
-          <a:prstGeom prst="rect">
-            <a:avLst/>
-          </a:prstGeom>
-        </p:spPr>
-      </p:pic>
-    </p:spTree>
-    <p:extLst>
-      <p:ext uri="{BB962C8B-B14F-4D97-AF65-F5344CB8AC3E}">
-        <p14:creationId xmlns:p14="http://schemas.microsoft.com/office/powerpoint/2010/main" val="3718153055"/>
-      </p:ext>
-    </p:extLst>
-  </p:cSld>
-  <p:clrMapOvr>
-    <a:masterClrMapping/>
-  </p:clrMapOvr>
-  <p:transition/>
-</p:sld>
-</file>
-
-<file path=ppt/slides/slide22.xml><?xml version="1.0" encoding="utf-8"?>
-<p:sld xmlns:a="http://schemas.openxmlformats.org/drawingml/2006/main" xmlns:r="http://schemas.openxmlformats.org/officeDocument/2006/relationships" xmlns:p="http://schemas.openxmlformats.org/presentationml/2006/main">
-  <p:cSld>
-    <p:spTree>
-      <p:nvGrpSpPr>
-        <p:cNvPr id="1" name=""/>
-        <p:cNvGrpSpPr/>
-        <p:nvPr/>
-      </p:nvGrpSpPr>
-      <p:grpSpPr>
-        <a:xfrm>
-          <a:off x="0" y="0"/>
-          <a:ext cx="0" cy="0"/>
-          <a:chOff x="0" y="0"/>
-          <a:chExt cx="0" cy="0"/>
-        </a:xfrm>
-      </p:grpSpPr>
-      <p:sp>
-        <p:nvSpPr>
-          <p:cNvPr id="2" name="제목 1"/>
-          <p:cNvSpPr>
-            <a:spLocks noGrp="1"/>
-          </p:cNvSpPr>
-          <p:nvPr>
-            <p:ph type="ctrTitle" idx="13"/>
-          </p:nvPr>
-        </p:nvSpPr>
-        <p:spPr/>
-        <p:txBody>
-          <a:bodyPr>
-            <a:normAutofit/>
-          </a:bodyPr>
-          <a:lstStyle/>
-          <a:p>
-            <a:pPr>
-              <a:defRPr/>
-            </a:pPr>
-            <a:r>
-              <a:rPr lang="en-US" altLang="ko-KR" dirty="0"/>
-              <a:t>Other Output Types</a:t>
-            </a:r>
-          </a:p>
-        </p:txBody>
-      </p:sp>
-      <p:sp>
-        <p:nvSpPr>
-          <p:cNvPr id="3" name="TextBox 2">
-            <a:extLst>
-              <a:ext uri="{FF2B5EF4-FFF2-40B4-BE49-F238E27FC236}">
-                <a16:creationId xmlns:a16="http://schemas.microsoft.com/office/drawing/2014/main" id="{C7B98AC0-6D7C-46CB-A929-048CBECF7EF1}"/>
-              </a:ext>
-            </a:extLst>
-          </p:cNvPr>
-          <p:cNvSpPr txBox="1"/>
-          <p:nvPr/>
-        </p:nvSpPr>
-        <p:spPr>
-          <a:xfrm>
-            <a:off x="1223628" y="1772816"/>
-            <a:ext cx="6516724" cy="923330"/>
-          </a:xfrm>
-          <a:prstGeom prst="rect">
-            <a:avLst/>
-          </a:prstGeom>
-          <a:noFill/>
-        </p:spPr>
-        <p:txBody>
-          <a:bodyPr wrap="square" rtlCol="0">
-            <a:spAutoFit/>
-          </a:bodyPr>
-          <a:lstStyle/>
-          <a:p>
-            <a:r>
-              <a:rPr lang="en-US" altLang="ko-KR" dirty="0"/>
-              <a:t>Variance</a:t>
-            </a:r>
-            <a:r>
-              <a:rPr lang="ko-KR" altLang="en-US" dirty="0"/>
-              <a:t>가 </a:t>
-            </a:r>
-            <a:r>
-              <a:rPr lang="en-US" altLang="ko-KR" dirty="0"/>
-              <a:t>input</a:t>
-            </a:r>
-            <a:r>
-              <a:rPr lang="ko-KR" altLang="en-US" dirty="0"/>
-              <a:t>과 무관한 경우</a:t>
-            </a:r>
-            <a:r>
-              <a:rPr lang="en-US" altLang="ko-KR" dirty="0"/>
-              <a:t>(</a:t>
-            </a:r>
-            <a:r>
-              <a:rPr lang="ko-KR" altLang="en-US" dirty="0"/>
-              <a:t>단순함</a:t>
-            </a:r>
-            <a:r>
-              <a:rPr lang="en-US" altLang="ko-KR" dirty="0"/>
-              <a:t>)</a:t>
-            </a:r>
-          </a:p>
-          <a:p>
-            <a:endParaRPr lang="en-US" altLang="ko-KR" dirty="0"/>
-          </a:p>
-          <a:p>
-            <a:r>
-              <a:rPr lang="en-US" altLang="ko-KR" dirty="0"/>
-              <a:t>- We can get variance, precision</a:t>
-            </a:r>
-            <a:endParaRPr lang="ko-KR" altLang="en-US" dirty="0"/>
-          </a:p>
-        </p:txBody>
-      </p:sp>
-      <p:pic>
-        <p:nvPicPr>
-          <p:cNvPr id="5" name="Picture 4">
-            <a:extLst>
-              <a:ext uri="{FF2B5EF4-FFF2-40B4-BE49-F238E27FC236}">
-                <a16:creationId xmlns:a16="http://schemas.microsoft.com/office/drawing/2014/main" id="{5DB39B5E-3EA4-4689-9D43-AEBF3B5B1124}"/>
-              </a:ext>
-            </a:extLst>
-          </p:cNvPr>
-          <p:cNvPicPr>
-            <a:picLocks noChangeAspect="1"/>
-          </p:cNvPicPr>
-          <p:nvPr/>
-        </p:nvPicPr>
-        <p:blipFill>
-          <a:blip r:embed="rId2"/>
-          <a:stretch>
-            <a:fillRect/>
-          </a:stretch>
-        </p:blipFill>
-        <p:spPr>
-          <a:xfrm>
-            <a:off x="415636" y="2920204"/>
-            <a:ext cx="8312728" cy="1372892"/>
-          </a:xfrm>
-          <a:prstGeom prst="rect">
-            <a:avLst/>
-          </a:prstGeom>
-        </p:spPr>
-      </p:pic>
-      <p:sp>
-        <p:nvSpPr>
-          <p:cNvPr id="6" name="TextBox 5">
-            <a:extLst>
-              <a:ext uri="{FF2B5EF4-FFF2-40B4-BE49-F238E27FC236}">
-                <a16:creationId xmlns:a16="http://schemas.microsoft.com/office/drawing/2014/main" id="{D0A3CB8C-8665-4C95-B352-F383FD971994}"/>
-              </a:ext>
-            </a:extLst>
-          </p:cNvPr>
-          <p:cNvSpPr txBox="1"/>
-          <p:nvPr/>
-        </p:nvSpPr>
-        <p:spPr>
-          <a:xfrm>
-            <a:off x="1223628" y="4582869"/>
-            <a:ext cx="6516724" cy="646331"/>
-          </a:xfrm>
-          <a:prstGeom prst="rect">
-            <a:avLst/>
-          </a:prstGeom>
-          <a:noFill/>
-        </p:spPr>
-        <p:txBody>
-          <a:bodyPr wrap="square" rtlCol="0">
-            <a:spAutoFit/>
-          </a:bodyPr>
-          <a:lstStyle/>
-          <a:p>
-            <a:r>
-              <a:rPr lang="en-US" altLang="ko-KR" dirty="0"/>
-              <a:t>Input x</a:t>
-            </a:r>
-            <a:r>
-              <a:rPr lang="ko-KR" altLang="en-US" dirty="0"/>
-              <a:t>에 따라 달라지는 </a:t>
-            </a:r>
-            <a:r>
-              <a:rPr lang="en-US" altLang="ko-KR" dirty="0"/>
-              <a:t>y</a:t>
-            </a:r>
-            <a:r>
-              <a:rPr lang="ko-KR" altLang="en-US" dirty="0"/>
-              <a:t>의 </a:t>
-            </a:r>
-            <a:r>
-              <a:rPr lang="en-US" altLang="ko-KR" dirty="0"/>
-              <a:t>variance</a:t>
-            </a:r>
-            <a:r>
-              <a:rPr lang="ko-KR" altLang="en-US" dirty="0"/>
-              <a:t>를 구하는 모델</a:t>
-            </a:r>
-            <a:endParaRPr lang="en-US" altLang="ko-KR" dirty="0"/>
-          </a:p>
-          <a:p>
-            <a:r>
-              <a:rPr lang="en-US" altLang="ko-KR" dirty="0"/>
-              <a:t>- Heteroscedastic model</a:t>
-            </a:r>
-            <a:endParaRPr lang="ko-KR" altLang="en-US" dirty="0"/>
-          </a:p>
-        </p:txBody>
-      </p:sp>
-    </p:spTree>
-    <p:extLst>
-      <p:ext uri="{BB962C8B-B14F-4D97-AF65-F5344CB8AC3E}">
-        <p14:creationId xmlns:p14="http://schemas.microsoft.com/office/powerpoint/2010/main" val="3522790036"/>
-      </p:ext>
-    </p:extLst>
-  </p:cSld>
-  <p:clrMapOvr>
-    <a:masterClrMapping/>
-  </p:clrMapOvr>
-  <p:transition/>
-</p:sld>
-</file>
-
-<file path=ppt/slides/slide23.xml><?xml version="1.0" encoding="utf-8"?>
-<p:sld xmlns:a="http://schemas.openxmlformats.org/drawingml/2006/main" xmlns:r="http://schemas.openxmlformats.org/officeDocument/2006/relationships" xmlns:p="http://schemas.openxmlformats.org/presentationml/2006/main">
-  <p:cSld>
-    <p:spTree>
-      <p:nvGrpSpPr>
-        <p:cNvPr id="1" name=""/>
-        <p:cNvGrpSpPr/>
-        <p:nvPr/>
-      </p:nvGrpSpPr>
-      <p:grpSpPr>
-        <a:xfrm>
-          <a:off x="0" y="0"/>
-          <a:ext cx="0" cy="0"/>
-          <a:chOff x="0" y="0"/>
-          <a:chExt cx="0" cy="0"/>
-        </a:xfrm>
-      </p:grpSpPr>
-      <p:sp>
-        <p:nvSpPr>
-          <p:cNvPr id="2" name="제목 1"/>
-          <p:cNvSpPr>
-            <a:spLocks noGrp="1"/>
-          </p:cNvSpPr>
-          <p:nvPr>
-            <p:ph type="ctrTitle" idx="13"/>
-          </p:nvPr>
-        </p:nvSpPr>
-        <p:spPr/>
-        <p:txBody>
-          <a:bodyPr>
-            <a:normAutofit/>
-          </a:bodyPr>
-          <a:lstStyle/>
-          <a:p>
-            <a:pPr>
-              <a:defRPr/>
-            </a:pPr>
-            <a:r>
-              <a:rPr lang="en-US" altLang="ko-KR" dirty="0"/>
-              <a:t>Other Output Types</a:t>
-            </a:r>
-          </a:p>
-        </p:txBody>
-      </p:sp>
-      <p:sp>
-        <p:nvSpPr>
-          <p:cNvPr id="3" name="TextBox 2">
-            <a:extLst>
-              <a:ext uri="{FF2B5EF4-FFF2-40B4-BE49-F238E27FC236}">
-                <a16:creationId xmlns:a16="http://schemas.microsoft.com/office/drawing/2014/main" id="{C7B98AC0-6D7C-46CB-A929-048CBECF7EF1}"/>
-              </a:ext>
-            </a:extLst>
-          </p:cNvPr>
-          <p:cNvSpPr txBox="1"/>
-          <p:nvPr/>
-        </p:nvSpPr>
-        <p:spPr>
-          <a:xfrm>
-            <a:off x="1223628" y="1772816"/>
-            <a:ext cx="6516724" cy="2862322"/>
-          </a:xfrm>
-          <a:prstGeom prst="rect">
-            <a:avLst/>
-          </a:prstGeom>
-          <a:noFill/>
-        </p:spPr>
-        <p:txBody>
-          <a:bodyPr wrap="square" rtlCol="0">
-            <a:spAutoFit/>
-          </a:bodyPr>
-          <a:lstStyle/>
-          <a:p>
-            <a:r>
-              <a:rPr lang="ko-KR" altLang="en-US" dirty="0"/>
-              <a:t>다변수의 경우</a:t>
-            </a:r>
-            <a:endParaRPr lang="en-US" altLang="ko-KR" dirty="0"/>
-          </a:p>
-          <a:p>
-            <a:r>
-              <a:rPr lang="en-US" altLang="ko-KR" dirty="0"/>
-              <a:t>-&gt;</a:t>
-            </a:r>
-            <a:r>
-              <a:rPr lang="ko-KR" altLang="en-US" dirty="0"/>
-              <a:t> </a:t>
-            </a:r>
-            <a:r>
-              <a:rPr lang="en-US" altLang="ko-KR" dirty="0"/>
-              <a:t>diagonal precision matrix  </a:t>
-            </a:r>
-            <a:r>
-              <a:rPr lang="en-US" altLang="ko-KR" dirty="0" err="1"/>
-              <a:t>diag</a:t>
-            </a:r>
-            <a:r>
-              <a:rPr lang="en-US" altLang="ko-KR" dirty="0"/>
-              <a:t>(beta)</a:t>
-            </a:r>
-          </a:p>
-          <a:p>
-            <a:endParaRPr lang="en-US" altLang="ko-KR" dirty="0"/>
-          </a:p>
-          <a:p>
-            <a:r>
-              <a:rPr lang="en-US" altLang="ko-KR" dirty="0"/>
-              <a:t>variance? -&gt; 0</a:t>
-            </a:r>
-            <a:r>
-              <a:rPr lang="ko-KR" altLang="en-US" dirty="0"/>
-              <a:t>근처에서 </a:t>
-            </a:r>
-            <a:r>
-              <a:rPr lang="en-US" altLang="ko-KR" dirty="0" err="1"/>
-              <a:t>gradien</a:t>
-            </a:r>
-            <a:r>
-              <a:rPr lang="ko-KR" altLang="en-US" dirty="0"/>
-              <a:t>가 치솟음</a:t>
-            </a:r>
-            <a:endParaRPr lang="en-US" altLang="ko-KR" dirty="0"/>
-          </a:p>
-          <a:p>
-            <a:r>
-              <a:rPr lang="en-US" altLang="ko-KR" dirty="0"/>
-              <a:t>Standard deviation? -&gt; (sigma) &lt; 1 </a:t>
-            </a:r>
-            <a:r>
-              <a:rPr lang="ko-KR" altLang="en-US" dirty="0"/>
-              <a:t>일 경우 더욱 극단적</a:t>
-            </a:r>
-            <a:endParaRPr lang="en-US" altLang="ko-KR" dirty="0"/>
-          </a:p>
-          <a:p>
-            <a:endParaRPr lang="en-US" altLang="ko-KR" dirty="0"/>
-          </a:p>
-          <a:p>
-            <a:endParaRPr lang="en-US" altLang="ko-KR" dirty="0"/>
-          </a:p>
-          <a:p>
-            <a:endParaRPr lang="en-US" altLang="ko-KR" dirty="0"/>
-          </a:p>
-          <a:p>
-            <a:r>
-              <a:rPr lang="en-US" altLang="ko-KR" dirty="0"/>
-              <a:t>Precision matrix</a:t>
-            </a:r>
-            <a:r>
-              <a:rPr lang="ko-KR" altLang="en-US" dirty="0"/>
-              <a:t>의 역행렬은 </a:t>
-            </a:r>
-            <a:r>
-              <a:rPr lang="en-US" altLang="ko-KR" dirty="0"/>
-              <a:t>covariance matrix</a:t>
-            </a:r>
-            <a:r>
-              <a:rPr lang="ko-KR" altLang="en-US" dirty="0"/>
-              <a:t>의 역행렬</a:t>
-            </a:r>
-            <a:r>
-              <a:rPr lang="en-US" altLang="ko-KR" dirty="0"/>
-              <a:t>.</a:t>
-            </a:r>
-          </a:p>
-          <a:p>
-            <a:r>
-              <a:rPr lang="en-US" altLang="ko-KR" dirty="0"/>
-              <a:t>-&gt; precision matrix is positive definite matrix</a:t>
-            </a:r>
-          </a:p>
-        </p:txBody>
-      </p:sp>
-      <p:pic>
-        <p:nvPicPr>
-          <p:cNvPr id="7" name="Picture 6">
-            <a:extLst>
-              <a:ext uri="{FF2B5EF4-FFF2-40B4-BE49-F238E27FC236}">
-                <a16:creationId xmlns:a16="http://schemas.microsoft.com/office/drawing/2014/main" id="{B770F0FE-434F-40A6-861E-D5E70F5DBA7A}"/>
-              </a:ext>
-            </a:extLst>
-          </p:cNvPr>
-          <p:cNvPicPr>
-            <a:picLocks noChangeAspect="1"/>
-          </p:cNvPicPr>
-          <p:nvPr/>
-        </p:nvPicPr>
-        <p:blipFill>
-          <a:blip r:embed="rId2"/>
-          <a:stretch>
-            <a:fillRect/>
-          </a:stretch>
-        </p:blipFill>
-        <p:spPr>
-          <a:xfrm>
-            <a:off x="793488" y="4869160"/>
-            <a:ext cx="7557025" cy="1086323"/>
-          </a:xfrm>
-          <a:prstGeom prst="rect">
-            <a:avLst/>
-          </a:prstGeom>
-        </p:spPr>
-      </p:pic>
-    </p:spTree>
-    <p:extLst>
-      <p:ext uri="{BB962C8B-B14F-4D97-AF65-F5344CB8AC3E}">
-        <p14:creationId xmlns:p14="http://schemas.microsoft.com/office/powerpoint/2010/main" val="3540373426"/>
-      </p:ext>
-    </p:extLst>
-  </p:cSld>
-  <p:clrMapOvr>
-    <a:masterClrMapping/>
-  </p:clrMapOvr>
-  <p:transition/>
-</p:sld>
-</file>
-
-<file path=ppt/slides/slide24.xml><?xml version="1.0" encoding="utf-8"?>
-<p:sld xmlns:a="http://schemas.openxmlformats.org/drawingml/2006/main" xmlns:r="http://schemas.openxmlformats.org/officeDocument/2006/relationships" xmlns:p="http://schemas.openxmlformats.org/presentationml/2006/main">
-  <p:cSld>
-    <p:spTree>
-      <p:nvGrpSpPr>
-        <p:cNvPr id="1" name=""/>
-        <p:cNvGrpSpPr/>
-        <p:nvPr/>
-      </p:nvGrpSpPr>
-      <p:grpSpPr>
-        <a:xfrm>
-          <a:off x="0" y="0"/>
-          <a:ext cx="0" cy="0"/>
-          <a:chOff x="0" y="0"/>
-          <a:chExt cx="0" cy="0"/>
-        </a:xfrm>
-      </p:grpSpPr>
-      <p:sp>
-        <p:nvSpPr>
-          <p:cNvPr id="2" name="제목 1"/>
-          <p:cNvSpPr>
-            <a:spLocks noGrp="1"/>
-          </p:cNvSpPr>
-          <p:nvPr>
-            <p:ph type="ctrTitle" idx="13"/>
-          </p:nvPr>
-        </p:nvSpPr>
-        <p:spPr/>
-        <p:txBody>
-          <a:bodyPr>
-            <a:normAutofit/>
-          </a:bodyPr>
-          <a:lstStyle/>
-          <a:p>
-            <a:pPr>
-              <a:defRPr/>
-            </a:pPr>
-            <a:r>
-              <a:rPr lang="en-US" altLang="ko-KR" dirty="0"/>
-              <a:t>Other Output Types</a:t>
-            </a:r>
-          </a:p>
-        </p:txBody>
-      </p:sp>
-      <p:sp>
-        <p:nvSpPr>
-          <p:cNvPr id="3" name="TextBox 2">
-            <a:extLst>
-              <a:ext uri="{FF2B5EF4-FFF2-40B4-BE49-F238E27FC236}">
-                <a16:creationId xmlns:a16="http://schemas.microsoft.com/office/drawing/2014/main" id="{C7B98AC0-6D7C-46CB-A929-048CBECF7EF1}"/>
-              </a:ext>
-            </a:extLst>
-          </p:cNvPr>
-          <p:cNvSpPr txBox="1"/>
-          <p:nvPr/>
-        </p:nvSpPr>
-        <p:spPr>
-          <a:xfrm>
-            <a:off x="1223628" y="1772816"/>
-            <a:ext cx="6516724" cy="4247317"/>
-          </a:xfrm>
-          <a:prstGeom prst="rect">
-            <a:avLst/>
-          </a:prstGeom>
-          <a:noFill/>
-        </p:spPr>
-        <p:txBody>
-          <a:bodyPr wrap="square" rtlCol="0">
-            <a:spAutoFit/>
-          </a:bodyPr>
-          <a:lstStyle/>
-          <a:p>
-            <a:r>
-              <a:rPr lang="en-US" altLang="ko-KR" dirty="0"/>
-              <a:t>Conditional distribution p(</a:t>
-            </a:r>
-            <a:r>
-              <a:rPr lang="en-US" altLang="ko-KR" dirty="0" err="1"/>
-              <a:t>y|x</a:t>
-            </a:r>
-            <a:r>
-              <a:rPr lang="en-US" altLang="ko-KR" dirty="0"/>
-              <a:t>)</a:t>
-            </a:r>
-            <a:r>
-              <a:rPr lang="ko-KR" altLang="en-US" dirty="0"/>
-              <a:t>가 하나의 </a:t>
-            </a:r>
-            <a:r>
-              <a:rPr lang="en-US" altLang="ko-KR" dirty="0"/>
-              <a:t>x</a:t>
-            </a:r>
-            <a:r>
-              <a:rPr lang="ko-KR" altLang="en-US" dirty="0"/>
-              <a:t>에 대해 </a:t>
-            </a:r>
-            <a:r>
-              <a:rPr lang="en-US" altLang="ko-KR" dirty="0"/>
-              <a:t>y space</a:t>
-            </a:r>
-            <a:r>
-              <a:rPr lang="ko-KR" altLang="en-US" dirty="0"/>
-              <a:t>에서 여러 분포를 갖는 경우</a:t>
-            </a:r>
-            <a:endParaRPr lang="en-US" altLang="ko-KR" dirty="0"/>
-          </a:p>
-          <a:p>
-            <a:r>
-              <a:rPr lang="en-US" altLang="ko-KR" dirty="0"/>
-              <a:t>-&gt; Neural Net</a:t>
-            </a:r>
-            <a:r>
-              <a:rPr lang="ko-KR" altLang="en-US" dirty="0"/>
-              <a:t>의 </a:t>
-            </a:r>
-            <a:r>
-              <a:rPr lang="en-US" altLang="ko-KR" dirty="0"/>
-              <a:t>output</a:t>
-            </a:r>
-            <a:r>
-              <a:rPr lang="ko-KR" altLang="en-US" dirty="0"/>
-              <a:t>을 </a:t>
-            </a:r>
-            <a:r>
-              <a:rPr lang="en-US" altLang="ko-KR" dirty="0"/>
-              <a:t>Gaussian mixture</a:t>
-            </a:r>
-            <a:r>
-              <a:rPr lang="ko-KR" altLang="en-US" dirty="0"/>
-              <a:t>형태로 출력</a:t>
-            </a:r>
-            <a:endParaRPr lang="en-US" altLang="ko-KR" dirty="0"/>
-          </a:p>
-          <a:p>
-            <a:endParaRPr lang="en-US" altLang="ko-KR" dirty="0"/>
-          </a:p>
-          <a:p>
-            <a:r>
-              <a:rPr lang="en-US" altLang="ko-KR" dirty="0"/>
-              <a:t>Mixture density network</a:t>
-            </a:r>
-          </a:p>
-          <a:p>
-            <a:endParaRPr lang="en-US" altLang="ko-KR" dirty="0"/>
-          </a:p>
-          <a:p>
-            <a:endParaRPr lang="en-US" altLang="ko-KR" dirty="0"/>
-          </a:p>
-          <a:p>
-            <a:pPr marL="285750" indent="-285750">
-              <a:buFontTx/>
-              <a:buChar char="-"/>
-            </a:pPr>
-            <a:r>
-              <a:rPr lang="en-US" altLang="ko-KR" dirty="0"/>
-              <a:t>N</a:t>
-            </a:r>
-            <a:r>
-              <a:rPr lang="ko-KR" altLang="en-US" dirty="0"/>
-              <a:t>개의 </a:t>
-            </a:r>
-            <a:r>
-              <a:rPr lang="en-US" altLang="ko-KR" dirty="0"/>
-              <a:t>component</a:t>
-            </a:r>
-            <a:r>
-              <a:rPr lang="ko-KR" altLang="en-US" dirty="0"/>
-              <a:t>를 갖는 </a:t>
-            </a:r>
-            <a:r>
-              <a:rPr lang="en-US" altLang="ko-KR" dirty="0"/>
-              <a:t>Gaussian mixture output</a:t>
-            </a:r>
-          </a:p>
-          <a:p>
-            <a:pPr marL="285750" indent="-285750">
-              <a:buFontTx/>
-              <a:buChar char="-"/>
-            </a:pPr>
-            <a:endParaRPr lang="en-US" altLang="ko-KR" dirty="0"/>
-          </a:p>
-          <a:p>
-            <a:pPr marL="285750" indent="-285750">
-              <a:buFontTx/>
-              <a:buChar char="-"/>
-            </a:pPr>
-            <a:endParaRPr lang="en-US" altLang="ko-KR" dirty="0"/>
-          </a:p>
-          <a:p>
-            <a:pPr marL="285750" indent="-285750">
-              <a:buFontTx/>
-              <a:buChar char="-"/>
-            </a:pPr>
-            <a:endParaRPr lang="en-US" altLang="ko-KR" dirty="0"/>
-          </a:p>
-          <a:p>
-            <a:pPr marL="285750" indent="-285750">
-              <a:buFontTx/>
-              <a:buChar char="-"/>
-            </a:pPr>
-            <a:endParaRPr lang="en-US" altLang="ko-KR" dirty="0"/>
-          </a:p>
-          <a:p>
-            <a:pPr marL="285750" indent="-285750">
-              <a:buFontTx/>
-              <a:buChar char="-"/>
-            </a:pPr>
-            <a:endParaRPr lang="en-US" altLang="ko-KR" dirty="0"/>
-          </a:p>
-          <a:p>
-            <a:pPr marL="285750" indent="-285750">
-              <a:buFontTx/>
-              <a:buChar char="-"/>
-            </a:pPr>
-            <a:endParaRPr lang="en-US" altLang="ko-KR" dirty="0"/>
-          </a:p>
-          <a:p>
-            <a:r>
-              <a:rPr lang="en-US" altLang="ko-KR" dirty="0"/>
-              <a:t>-&gt; Neural Net</a:t>
-            </a:r>
-            <a:r>
-              <a:rPr lang="ko-KR" altLang="en-US" dirty="0"/>
-              <a:t>은 세 개의 </a:t>
-            </a:r>
-            <a:r>
-              <a:rPr lang="en-US" altLang="ko-KR" dirty="0"/>
-              <a:t>output</a:t>
-            </a:r>
-            <a:r>
-              <a:rPr lang="ko-KR" altLang="en-US" dirty="0"/>
-              <a:t>을 출력해야 한다</a:t>
-            </a:r>
-            <a:r>
-              <a:rPr lang="en-US" altLang="ko-KR" dirty="0"/>
-              <a:t>.</a:t>
-            </a:r>
-          </a:p>
-        </p:txBody>
-      </p:sp>
-      <p:pic>
-        <p:nvPicPr>
-          <p:cNvPr id="7" name="Picture 6">
-            <a:extLst>
-              <a:ext uri="{FF2B5EF4-FFF2-40B4-BE49-F238E27FC236}">
-                <a16:creationId xmlns:a16="http://schemas.microsoft.com/office/drawing/2014/main" id="{6D3123B3-D5CE-40BC-ABD8-6052A8D76172}"/>
-              </a:ext>
-            </a:extLst>
-          </p:cNvPr>
-          <p:cNvPicPr>
-            <a:picLocks noChangeAspect="1"/>
-          </p:cNvPicPr>
-          <p:nvPr/>
-        </p:nvPicPr>
-        <p:blipFill>
-          <a:blip r:embed="rId2"/>
-          <a:stretch>
-            <a:fillRect/>
-          </a:stretch>
-        </p:blipFill>
-        <p:spPr>
-          <a:xfrm>
-            <a:off x="957262" y="4186783"/>
-            <a:ext cx="7229475" cy="1114425"/>
-          </a:xfrm>
-          <a:prstGeom prst="rect">
-            <a:avLst/>
-          </a:prstGeom>
-        </p:spPr>
-      </p:pic>
-      <p:pic>
-        <p:nvPicPr>
-          <p:cNvPr id="9" name="Picture 8">
-            <a:extLst>
-              <a:ext uri="{FF2B5EF4-FFF2-40B4-BE49-F238E27FC236}">
-                <a16:creationId xmlns:a16="http://schemas.microsoft.com/office/drawing/2014/main" id="{65BA30AE-49A5-4396-8961-7686D3F8D4A0}"/>
-              </a:ext>
-            </a:extLst>
-          </p:cNvPr>
-          <p:cNvPicPr>
-            <a:picLocks noChangeAspect="1"/>
-          </p:cNvPicPr>
-          <p:nvPr/>
-        </p:nvPicPr>
-        <p:blipFill>
-          <a:blip r:embed="rId3"/>
-          <a:stretch>
-            <a:fillRect/>
-          </a:stretch>
-        </p:blipFill>
-        <p:spPr>
-          <a:xfrm>
-            <a:off x="1885950" y="3214687"/>
-            <a:ext cx="5372100" cy="428625"/>
-          </a:xfrm>
-          <a:prstGeom prst="rect">
-            <a:avLst/>
-          </a:prstGeom>
-        </p:spPr>
-      </p:pic>
-    </p:spTree>
-    <p:extLst>
-      <p:ext uri="{BB962C8B-B14F-4D97-AF65-F5344CB8AC3E}">
-        <p14:creationId xmlns:p14="http://schemas.microsoft.com/office/powerpoint/2010/main" val="268771578"/>
-      </p:ext>
-    </p:extLst>
-  </p:cSld>
-  <p:clrMapOvr>
-    <a:masterClrMapping/>
-  </p:clrMapOvr>
-  <p:transition/>
-</p:sld>
-</file>
-
-<file path=ppt/slides/slide25.xml><?xml version="1.0" encoding="utf-8"?>
-<p:sld xmlns:a="http://schemas.openxmlformats.org/drawingml/2006/main" xmlns:r="http://schemas.openxmlformats.org/officeDocument/2006/relationships" xmlns:p="http://schemas.openxmlformats.org/presentationml/2006/main">
-  <p:cSld>
-    <p:spTree>
-      <p:nvGrpSpPr>
-        <p:cNvPr id="1" name=""/>
-        <p:cNvGrpSpPr/>
-        <p:nvPr/>
-      </p:nvGrpSpPr>
-      <p:grpSpPr>
-        <a:xfrm>
-          <a:off x="0" y="0"/>
-          <a:ext cx="0" cy="0"/>
-          <a:chOff x="0" y="0"/>
-          <a:chExt cx="0" cy="0"/>
-        </a:xfrm>
-      </p:grpSpPr>
-      <p:sp>
-        <p:nvSpPr>
-          <p:cNvPr id="2" name="제목 1"/>
-          <p:cNvSpPr>
-            <a:spLocks noGrp="1"/>
-          </p:cNvSpPr>
-          <p:nvPr>
-            <p:ph type="ctrTitle" idx="13"/>
-          </p:nvPr>
-        </p:nvSpPr>
-        <p:spPr/>
-        <p:txBody>
-          <a:bodyPr>
-            <a:normAutofit/>
-          </a:bodyPr>
-          <a:lstStyle/>
-          <a:p>
-            <a:pPr>
-              <a:defRPr/>
-            </a:pPr>
-            <a:r>
-              <a:rPr lang="en-US" altLang="ko-KR" dirty="0"/>
-              <a:t>Other Output Types</a:t>
-            </a:r>
-          </a:p>
-        </p:txBody>
-      </p:sp>
-      <p:sp>
-        <p:nvSpPr>
-          <p:cNvPr id="3" name="TextBox 2">
-            <a:extLst>
-              <a:ext uri="{FF2B5EF4-FFF2-40B4-BE49-F238E27FC236}">
-                <a16:creationId xmlns:a16="http://schemas.microsoft.com/office/drawing/2014/main" id="{C7B98AC0-6D7C-46CB-A929-048CBECF7EF1}"/>
-              </a:ext>
-            </a:extLst>
-          </p:cNvPr>
-          <p:cNvSpPr txBox="1"/>
-          <p:nvPr/>
-        </p:nvSpPr>
-        <p:spPr>
-          <a:xfrm>
-            <a:off x="1223628" y="3248980"/>
-            <a:ext cx="6516724" cy="369332"/>
-          </a:xfrm>
-          <a:prstGeom prst="rect">
-            <a:avLst/>
-          </a:prstGeom>
-          <a:noFill/>
-        </p:spPr>
-        <p:txBody>
-          <a:bodyPr wrap="square" rtlCol="0">
-            <a:spAutoFit/>
-          </a:bodyPr>
-          <a:lstStyle/>
-          <a:p>
-            <a:r>
-              <a:rPr lang="en-US" altLang="ko-KR" dirty="0"/>
-              <a:t>Neural Net</a:t>
-            </a:r>
-            <a:r>
-              <a:rPr lang="ko-KR" altLang="en-US" dirty="0"/>
-              <a:t>은 세 개의 </a:t>
-            </a:r>
-            <a:r>
-              <a:rPr lang="en-US" altLang="ko-KR" dirty="0"/>
-              <a:t>output</a:t>
-            </a:r>
-            <a:r>
-              <a:rPr lang="ko-KR" altLang="en-US" dirty="0"/>
-              <a:t>을 출력해야 한다</a:t>
-            </a:r>
-            <a:r>
-              <a:rPr lang="en-US" altLang="ko-KR" dirty="0"/>
-              <a:t>.</a:t>
-            </a:r>
-          </a:p>
-        </p:txBody>
-      </p:sp>
-      <p:pic>
-        <p:nvPicPr>
-          <p:cNvPr id="9" name="Picture 8">
-            <a:extLst>
-              <a:ext uri="{FF2B5EF4-FFF2-40B4-BE49-F238E27FC236}">
-                <a16:creationId xmlns:a16="http://schemas.microsoft.com/office/drawing/2014/main" id="{65BA30AE-49A5-4396-8961-7686D3F8D4A0}"/>
-              </a:ext>
-            </a:extLst>
-          </p:cNvPr>
-          <p:cNvPicPr>
-            <a:picLocks noChangeAspect="1"/>
-          </p:cNvPicPr>
-          <p:nvPr/>
-        </p:nvPicPr>
-        <p:blipFill>
-          <a:blip r:embed="rId2"/>
-          <a:stretch>
-            <a:fillRect/>
-          </a:stretch>
-        </p:blipFill>
-        <p:spPr>
-          <a:xfrm>
-            <a:off x="1885950" y="4041068"/>
-            <a:ext cx="5372100" cy="428625"/>
-          </a:xfrm>
-          <a:prstGeom prst="rect">
-            <a:avLst/>
-          </a:prstGeom>
-        </p:spPr>
-      </p:pic>
-      <p:pic>
-        <p:nvPicPr>
-          <p:cNvPr id="5" name="Picture 4">
-            <a:extLst>
-              <a:ext uri="{FF2B5EF4-FFF2-40B4-BE49-F238E27FC236}">
-                <a16:creationId xmlns:a16="http://schemas.microsoft.com/office/drawing/2014/main" id="{693B6EAE-CB15-4BB9-BBEC-08D1CF4623FE}"/>
-              </a:ext>
-            </a:extLst>
-          </p:cNvPr>
-          <p:cNvPicPr>
-            <a:picLocks noChangeAspect="1"/>
-          </p:cNvPicPr>
-          <p:nvPr/>
-        </p:nvPicPr>
-        <p:blipFill>
-          <a:blip r:embed="rId3"/>
-          <a:stretch>
-            <a:fillRect/>
-          </a:stretch>
-        </p:blipFill>
-        <p:spPr>
-          <a:xfrm>
-            <a:off x="1681162" y="4619414"/>
-            <a:ext cx="5781675" cy="571500"/>
-          </a:xfrm>
-          <a:prstGeom prst="rect">
-            <a:avLst/>
-          </a:prstGeom>
-        </p:spPr>
-      </p:pic>
-      <p:pic>
-        <p:nvPicPr>
-          <p:cNvPr id="8" name="Picture 7">
-            <a:extLst>
-              <a:ext uri="{FF2B5EF4-FFF2-40B4-BE49-F238E27FC236}">
-                <a16:creationId xmlns:a16="http://schemas.microsoft.com/office/drawing/2014/main" id="{96933954-141A-4BAE-8300-45659D9B6513}"/>
-              </a:ext>
-            </a:extLst>
-          </p:cNvPr>
-          <p:cNvPicPr>
-            <a:picLocks noChangeAspect="1"/>
-          </p:cNvPicPr>
-          <p:nvPr/>
-        </p:nvPicPr>
-        <p:blipFill>
-          <a:blip r:embed="rId4"/>
-          <a:stretch>
-            <a:fillRect/>
-          </a:stretch>
-        </p:blipFill>
-        <p:spPr>
-          <a:xfrm>
-            <a:off x="1543050" y="5319489"/>
-            <a:ext cx="6057900" cy="485775"/>
-          </a:xfrm>
-          <a:prstGeom prst="rect">
-            <a:avLst/>
-          </a:prstGeom>
-        </p:spPr>
-      </p:pic>
-      <p:pic>
-        <p:nvPicPr>
-          <p:cNvPr id="10" name="Picture 9">
-            <a:extLst>
-              <a:ext uri="{FF2B5EF4-FFF2-40B4-BE49-F238E27FC236}">
-                <a16:creationId xmlns:a16="http://schemas.microsoft.com/office/drawing/2014/main" id="{61E64486-68B2-454C-B07B-014CA9F2675A}"/>
-              </a:ext>
-            </a:extLst>
-          </p:cNvPr>
-          <p:cNvPicPr>
-            <a:picLocks noChangeAspect="1"/>
-          </p:cNvPicPr>
-          <p:nvPr/>
-        </p:nvPicPr>
-        <p:blipFill>
-          <a:blip r:embed="rId5"/>
-          <a:stretch>
-            <a:fillRect/>
-          </a:stretch>
-        </p:blipFill>
-        <p:spPr>
-          <a:xfrm>
-            <a:off x="957262" y="1628800"/>
-            <a:ext cx="7229475" cy="1114425"/>
-          </a:xfrm>
-          <a:prstGeom prst="rect">
-            <a:avLst/>
-          </a:prstGeom>
-        </p:spPr>
-      </p:pic>
-    </p:spTree>
-    <p:extLst>
-      <p:ext uri="{BB962C8B-B14F-4D97-AF65-F5344CB8AC3E}">
-        <p14:creationId xmlns:p14="http://schemas.microsoft.com/office/powerpoint/2010/main" val="425860371"/>
-      </p:ext>
-    </p:extLst>
-  </p:cSld>
-  <p:clrMapOvr>
-    <a:masterClrMapping/>
-  </p:clrMapOvr>
-  <p:transition/>
-</p:sld>
-</file>
-
-<file path=ppt/slides/slide26.xml><?xml version="1.0" encoding="utf-8"?>
-<p:sld xmlns:a="http://schemas.openxmlformats.org/drawingml/2006/main" xmlns:r="http://schemas.openxmlformats.org/officeDocument/2006/relationships" xmlns:p="http://schemas.openxmlformats.org/presentationml/2006/main">
-  <p:cSld>
-    <p:spTree>
-      <p:nvGrpSpPr>
-        <p:cNvPr id="1" name=""/>
-        <p:cNvGrpSpPr/>
-        <p:nvPr/>
-      </p:nvGrpSpPr>
-      <p:grpSpPr>
-        <a:xfrm>
-          <a:off x="0" y="0"/>
-          <a:ext cx="0" cy="0"/>
-          <a:chOff x="0" y="0"/>
-          <a:chExt cx="0" cy="0"/>
-        </a:xfrm>
-      </p:grpSpPr>
-      <p:sp>
-        <p:nvSpPr>
-          <p:cNvPr id="2" name="제목 1"/>
-          <p:cNvSpPr>
-            <a:spLocks noGrp="1"/>
-          </p:cNvSpPr>
-          <p:nvPr>
-            <p:ph type="ctrTitle" idx="13"/>
-          </p:nvPr>
-        </p:nvSpPr>
-        <p:spPr/>
-        <p:txBody>
-          <a:bodyPr>
-            <a:normAutofit/>
-          </a:bodyPr>
-          <a:lstStyle/>
-          <a:p>
-            <a:pPr>
-              <a:defRPr/>
-            </a:pPr>
-            <a:r>
-              <a:rPr lang="en-US" altLang="ko-KR" dirty="0"/>
-              <a:t>Other Output Types</a:t>
-            </a:r>
-          </a:p>
-        </p:txBody>
-      </p:sp>
-      <p:sp>
-        <p:nvSpPr>
-          <p:cNvPr id="3" name="TextBox 2">
-            <a:extLst>
-              <a:ext uri="{FF2B5EF4-FFF2-40B4-BE49-F238E27FC236}">
-                <a16:creationId xmlns:a16="http://schemas.microsoft.com/office/drawing/2014/main" id="{C7B98AC0-6D7C-46CB-A929-048CBECF7EF1}"/>
-              </a:ext>
-            </a:extLst>
-          </p:cNvPr>
-          <p:cNvSpPr txBox="1"/>
-          <p:nvPr/>
-        </p:nvSpPr>
-        <p:spPr>
-          <a:xfrm>
-            <a:off x="1223628" y="1772816"/>
-            <a:ext cx="6516724" cy="2862322"/>
-          </a:xfrm>
-          <a:prstGeom prst="rect">
-            <a:avLst/>
-          </a:prstGeom>
-          <a:noFill/>
-        </p:spPr>
-        <p:txBody>
-          <a:bodyPr wrap="square" rtlCol="0">
-            <a:spAutoFit/>
-          </a:bodyPr>
-          <a:lstStyle/>
-          <a:p>
-            <a:r>
-              <a:rPr lang="en-US" altLang="ko-KR" dirty="0"/>
-              <a:t>Gaussian mixture</a:t>
-            </a:r>
-            <a:r>
-              <a:rPr lang="ko-KR" altLang="en-US" dirty="0"/>
-              <a:t>를 학습할 때 </a:t>
-            </a:r>
-            <a:r>
-              <a:rPr lang="en-US" altLang="ko-KR" dirty="0"/>
-              <a:t>gradient based optimization</a:t>
-            </a:r>
-            <a:r>
-              <a:rPr lang="ko-KR" altLang="en-US" dirty="0"/>
-              <a:t>을 할 경우</a:t>
-            </a:r>
-            <a:endParaRPr lang="en-US" altLang="ko-KR" dirty="0"/>
-          </a:p>
-          <a:p>
-            <a:pPr marL="285750" indent="-285750">
-              <a:buFontTx/>
-              <a:buChar char="-"/>
-            </a:pPr>
-            <a:r>
-              <a:rPr lang="en-US" altLang="ko-KR" dirty="0"/>
-              <a:t>Variance</a:t>
-            </a:r>
-            <a:r>
-              <a:rPr lang="ko-KR" altLang="en-US" dirty="0"/>
-              <a:t>의 </a:t>
-            </a:r>
-            <a:r>
-              <a:rPr lang="en-US" altLang="ko-KR" dirty="0"/>
-              <a:t>inverse</a:t>
-            </a:r>
-            <a:r>
-              <a:rPr lang="ko-KR" altLang="en-US" dirty="0"/>
-              <a:t>로 인한 불안정함</a:t>
-            </a:r>
-            <a:endParaRPr lang="en-US" altLang="ko-KR" dirty="0"/>
-          </a:p>
-          <a:p>
-            <a:pPr marL="285750" indent="-285750">
-              <a:buFontTx/>
-              <a:buChar char="-"/>
-            </a:pPr>
-            <a:r>
-              <a:rPr lang="en-US" altLang="ko-KR" dirty="0"/>
-              <a:t>Gradient </a:t>
-            </a:r>
-            <a:r>
-              <a:rPr lang="ko-KR" altLang="en-US" dirty="0"/>
-              <a:t>치솟음</a:t>
-            </a:r>
-            <a:endParaRPr lang="en-US" altLang="ko-KR" dirty="0"/>
-          </a:p>
-          <a:p>
-            <a:pPr marL="285750" indent="-285750">
-              <a:buFontTx/>
-              <a:buChar char="-"/>
-            </a:pPr>
-            <a:r>
-              <a:rPr lang="en-US" altLang="ko-KR" dirty="0"/>
-              <a:t>Standard deviation</a:t>
-            </a:r>
-            <a:r>
-              <a:rPr lang="ko-KR" altLang="en-US" dirty="0"/>
-              <a:t>으로 이한 가속화</a:t>
-            </a:r>
-            <a:endParaRPr lang="en-US" altLang="ko-KR" dirty="0"/>
-          </a:p>
-          <a:p>
-            <a:pPr marL="285750" indent="-285750">
-              <a:buFontTx/>
-              <a:buChar char="-"/>
-            </a:pPr>
-            <a:endParaRPr lang="en-US" altLang="ko-KR" dirty="0"/>
-          </a:p>
-          <a:p>
-            <a:r>
-              <a:rPr lang="en-US" altLang="ko-KR" dirty="0"/>
-              <a:t>-&gt;  unreliable</a:t>
-            </a:r>
-          </a:p>
-          <a:p>
-            <a:endParaRPr lang="en-US" altLang="ko-KR" dirty="0"/>
-          </a:p>
-          <a:p>
-            <a:pPr marL="285750" indent="-285750">
-              <a:buFont typeface="Symbol" panose="05050102010706020507" pitchFamily="18" charset="2"/>
-              <a:buChar char="Þ"/>
-            </a:pPr>
-            <a:r>
-              <a:rPr lang="en-US" altLang="ko-KR" dirty="0"/>
-              <a:t>Use techniques: Clip gradients, gradient scaling</a:t>
-            </a:r>
-          </a:p>
-          <a:p>
-            <a:endParaRPr lang="en-US" altLang="ko-KR" dirty="0"/>
-          </a:p>
-        </p:txBody>
-      </p:sp>
-    </p:spTree>
-    <p:extLst>
-      <p:ext uri="{BB962C8B-B14F-4D97-AF65-F5344CB8AC3E}">
-        <p14:creationId xmlns:p14="http://schemas.microsoft.com/office/powerpoint/2010/main" val="1791204286"/>
-      </p:ext>
-    </p:extLst>
-  </p:cSld>
-  <p:clrMapOvr>
-    <a:masterClrMapping/>
-  </p:clrMapOvr>
-  <p:transition/>
-</p:sld>
-</file>
-
-<file path=ppt/slides/slide27.xml><?xml version="1.0" encoding="utf-8"?>
-<p:sld xmlns:a="http://schemas.openxmlformats.org/drawingml/2006/main" xmlns:r="http://schemas.openxmlformats.org/officeDocument/2006/relationships" xmlns:p="http://schemas.openxmlformats.org/presentationml/2006/main">
-  <p:cSld>
-    <p:spTree>
-      <p:nvGrpSpPr>
-        <p:cNvPr id="1" name=""/>
-        <p:cNvGrpSpPr/>
-        <p:nvPr/>
-      </p:nvGrpSpPr>
-      <p:grpSpPr>
-        <a:xfrm>
-          <a:off x="0" y="0"/>
-          <a:ext cx="0" cy="0"/>
-          <a:chOff x="0" y="0"/>
-          <a:chExt cx="0" cy="0"/>
-        </a:xfrm>
-      </p:grpSpPr>
-      <p:sp>
-        <p:nvSpPr>
-          <p:cNvPr id="2" name="제목 1"/>
-          <p:cNvSpPr>
-            <a:spLocks noGrp="1"/>
-          </p:cNvSpPr>
-          <p:nvPr>
-            <p:ph type="ctrTitle" idx="13"/>
-          </p:nvPr>
-        </p:nvSpPr>
-        <p:spPr/>
-        <p:txBody>
-          <a:bodyPr>
-            <a:normAutofit/>
-          </a:bodyPr>
-          <a:lstStyle/>
-          <a:p>
-            <a:pPr>
-              <a:defRPr/>
-            </a:pPr>
-            <a:r>
-              <a:rPr lang="en-US" altLang="ko-KR" dirty="0"/>
-              <a:t>Other Output Types</a:t>
-            </a:r>
-          </a:p>
-        </p:txBody>
-      </p:sp>
-      <p:sp>
-        <p:nvSpPr>
-          <p:cNvPr id="3" name="TextBox 2">
-            <a:extLst>
-              <a:ext uri="{FF2B5EF4-FFF2-40B4-BE49-F238E27FC236}">
-                <a16:creationId xmlns:a16="http://schemas.microsoft.com/office/drawing/2014/main" id="{C7B98AC0-6D7C-46CB-A929-048CBECF7EF1}"/>
-              </a:ext>
-            </a:extLst>
-          </p:cNvPr>
-          <p:cNvSpPr txBox="1"/>
-          <p:nvPr/>
-        </p:nvSpPr>
-        <p:spPr>
-          <a:xfrm>
-            <a:off x="1223628" y="1772816"/>
-            <a:ext cx="6516724" cy="2585323"/>
-          </a:xfrm>
-          <a:prstGeom prst="rect">
-            <a:avLst/>
-          </a:prstGeom>
-          <a:noFill/>
-        </p:spPr>
-        <p:txBody>
-          <a:bodyPr wrap="square" rtlCol="0">
-            <a:spAutoFit/>
-          </a:bodyPr>
-          <a:lstStyle/>
-          <a:p>
-            <a:r>
-              <a:rPr lang="en-US" altLang="ko-KR" dirty="0"/>
-              <a:t>Gaussian </a:t>
-            </a:r>
-            <a:r>
-              <a:rPr lang="en-US" altLang="ko-KR" dirty="0" err="1"/>
-              <a:t>mixtur</a:t>
-            </a:r>
-            <a:r>
-              <a:rPr lang="ko-KR" altLang="en-US" dirty="0"/>
-              <a:t>사용 분야</a:t>
-            </a:r>
-            <a:endParaRPr lang="en-US" altLang="ko-KR" dirty="0"/>
-          </a:p>
-          <a:p>
-            <a:endParaRPr lang="en-US" altLang="ko-KR" dirty="0"/>
-          </a:p>
-          <a:p>
-            <a:r>
-              <a:rPr lang="en-US" altLang="ko-KR" dirty="0"/>
-              <a:t>Gaussian mixture output</a:t>
-            </a:r>
-          </a:p>
-          <a:p>
-            <a:endParaRPr lang="en-US" altLang="ko-KR" dirty="0"/>
-          </a:p>
-          <a:p>
-            <a:pPr marL="285750" indent="-285750">
-              <a:buFontTx/>
-              <a:buChar char="-"/>
-            </a:pPr>
-            <a:r>
-              <a:rPr lang="ko-KR" altLang="en-US" dirty="0"/>
-              <a:t>음성이나 물리적 물체의 움직임 등을 생성하는 데 사용</a:t>
-            </a:r>
-            <a:endParaRPr lang="en-US" altLang="ko-KR" dirty="0"/>
-          </a:p>
-          <a:p>
-            <a:pPr marL="285750" indent="-285750">
-              <a:buFontTx/>
-              <a:buChar char="-"/>
-            </a:pPr>
-            <a:endParaRPr lang="en-US" altLang="ko-KR" dirty="0"/>
-          </a:p>
-          <a:p>
-            <a:r>
-              <a:rPr lang="en-US" altLang="ko-KR" dirty="0"/>
-              <a:t>Mixture </a:t>
-            </a:r>
-            <a:r>
-              <a:rPr lang="en-US" altLang="ko-KR" dirty="0" err="1"/>
-              <a:t>densit</a:t>
-            </a:r>
-            <a:r>
-              <a:rPr lang="ko-KR" altLang="en-US" dirty="0"/>
-              <a:t>는 하나의 값을 출력하는 것보다 더 복잡한 차원의 값들을 모델링할 수 있기 때문에 실생황 데이터의 분포를 잘 나타낼 수 있다</a:t>
-            </a:r>
-            <a:r>
-              <a:rPr lang="en-US" altLang="ko-KR" dirty="0"/>
-              <a:t>.</a:t>
-            </a:r>
-          </a:p>
-        </p:txBody>
-      </p:sp>
-    </p:spTree>
-    <p:extLst>
-      <p:ext uri="{BB962C8B-B14F-4D97-AF65-F5344CB8AC3E}">
-        <p14:creationId xmlns:p14="http://schemas.microsoft.com/office/powerpoint/2010/main" val="5090250"/>
-      </p:ext>
-    </p:extLst>
-  </p:cSld>
-  <p:clrMapOvr>
-    <a:masterClrMapping/>
-  </p:clrMapOvr>
-  <p:transition/>
 </p:sld>
 </file>
 
@@ -5831,7 +3677,7 @@
             </a:pPr>
             <a:r>
               <a:rPr lang="en-US" altLang="ko-KR" dirty="0"/>
-              <a:t>Output Units</a:t>
+              <a:t>Architecture Design</a:t>
             </a:r>
           </a:p>
         </p:txBody>
@@ -5941,7 +3787,7 @@
         <p:spPr/>
         <p:txBody>
           <a:bodyPr>
-            <a:normAutofit fontScale="90000"/>
+            <a:normAutofit/>
           </a:bodyPr>
           <a:lstStyle/>
           <a:p>
@@ -5950,7 +3796,7 @@
             </a:pPr>
             <a:r>
               <a:rPr lang="en-US" altLang="ko-KR" dirty="0"/>
-              <a:t>Linear Units for Gaussian Output Distributions</a:t>
+              <a:t>Architecture Design</a:t>
             </a:r>
           </a:p>
         </p:txBody>
@@ -6120,7 +3966,7 @@
             </a:pPr>
             <a:r>
               <a:rPr lang="en-US" altLang="ko-KR" dirty="0"/>
-              <a:t>Linear Units for Gaussian Output Distributions</a:t>
+              <a:t>Universal Approximation Properties and Depth</a:t>
             </a:r>
           </a:p>
         </p:txBody>
@@ -6268,7 +4114,7 @@
             </a:pPr>
             <a:r>
               <a:rPr lang="en-US" altLang="ko-KR" dirty="0"/>
-              <a:t>Linear Units for Gaussian Output Distributions</a:t>
+              <a:t>Universal Approximation Properties and Depth</a:t>
             </a:r>
           </a:p>
         </p:txBody>
@@ -6480,7 +4326,7 @@
             </a:pPr>
             <a:r>
               <a:rPr lang="en-US" altLang="ko-KR" dirty="0"/>
-              <a:t>Sigmoid Units for Bernoulli Output Distribution</a:t>
+              <a:t>Universal Approximation Properties and Depth</a:t>
             </a:r>
           </a:p>
         </p:txBody>
@@ -6663,7 +4509,7 @@
             </a:pPr>
             <a:r>
               <a:rPr lang="en-US" altLang="ko-KR" dirty="0"/>
-              <a:t>Sigmoid Units for Bernoulli Output Distribution</a:t>
+              <a:t>Universal Approximation Properties and Depth</a:t>
             </a:r>
           </a:p>
         </p:txBody>
@@ -6682,8 +4528,8 @@
         </p:nvSpPr>
         <p:spPr>
           <a:xfrm>
-            <a:off x="1259632" y="1520788"/>
-            <a:ext cx="6480720" cy="646331"/>
+            <a:off x="1259632" y="1134432"/>
+            <a:ext cx="6480720" cy="1477328"/>
           </a:xfrm>
           <a:prstGeom prst="rect">
             <a:avLst/>
@@ -6697,10 +4543,39 @@
           <a:lstStyle/>
           <a:p>
             <a:r>
-              <a:rPr lang="ko-KR" altLang="en-US" dirty="0"/>
-              <a:t>ㅇㄴㄹ</a:t>
-            </a:r>
-            <a:endParaRPr lang="en-US" altLang="ko-KR" dirty="0"/>
+              <a:rPr lang="en-US" altLang="ko-KR" dirty="0"/>
+              <a:t>&lt;deep rectifier network&gt;</a:t>
+            </a:r>
+          </a:p>
+          <a:p>
+            <a:pPr marL="285750" indent="-285750">
+              <a:buFontTx/>
+              <a:buChar char="-"/>
+            </a:pPr>
+            <a:r>
+              <a:rPr lang="en-US" altLang="ko-KR" dirty="0"/>
+              <a:t>d inputs</a:t>
+            </a:r>
+          </a:p>
+          <a:p>
+            <a:pPr marL="285750" indent="-285750">
+              <a:buFontTx/>
+              <a:buChar char="-"/>
+            </a:pPr>
+            <a:r>
+              <a:rPr lang="en-US" altLang="ko-KR" dirty="0"/>
+              <a:t>l depth</a:t>
+            </a:r>
+          </a:p>
+          <a:p>
+            <a:pPr marL="285750" indent="-285750">
+              <a:buFontTx/>
+              <a:buChar char="-"/>
+            </a:pPr>
+            <a:r>
+              <a:rPr lang="en-US" altLang="ko-KR" dirty="0"/>
+              <a:t>n units per hidden layer</a:t>
+            </a:r>
           </a:p>
           <a:p>
             <a:endParaRPr lang="ko-KR" altLang="en-US" dirty="0"/>
@@ -6759,7 +4634,7 @@
         </p:blipFill>
         <p:spPr>
           <a:xfrm>
-            <a:off x="2809629" y="4921557"/>
+            <a:off x="2809629" y="5101577"/>
             <a:ext cx="3524742" cy="1171739"/>
           </a:xfrm>
           <a:prstGeom prst="rect">
@@ -6767,6 +4642,82 @@
           </a:prstGeom>
         </p:spPr>
       </p:pic>
+      <p:sp>
+        <p:nvSpPr>
+          <p:cNvPr id="6" name="TextBox 5">
+            <a:extLst>
+              <a:ext uri="{FF2B5EF4-FFF2-40B4-BE49-F238E27FC236}">
+                <a16:creationId xmlns:a16="http://schemas.microsoft.com/office/drawing/2014/main" id="{75D51250-C534-4017-A68A-4A3CCA16FA0A}"/>
+              </a:ext>
+            </a:extLst>
+          </p:cNvPr>
+          <p:cNvSpPr txBox="1"/>
+          <p:nvPr/>
+        </p:nvSpPr>
+        <p:spPr>
+          <a:xfrm>
+            <a:off x="1259632" y="4003900"/>
+            <a:ext cx="6480720" cy="1477328"/>
+          </a:xfrm>
+          <a:prstGeom prst="rect">
+            <a:avLst/>
+          </a:prstGeom>
+          <a:noFill/>
+        </p:spPr>
+        <p:txBody>
+          <a:bodyPr wrap="square" rtlCol="0">
+            <a:spAutoFit/>
+          </a:bodyPr>
+          <a:lstStyle/>
+          <a:p>
+            <a:r>
+              <a:rPr lang="en-US" altLang="ko-KR" dirty="0"/>
+              <a:t>&lt;</a:t>
+            </a:r>
+            <a:r>
+              <a:rPr lang="en-US" altLang="ko-KR" dirty="0" err="1"/>
+              <a:t>maxout</a:t>
+            </a:r>
+            <a:r>
+              <a:rPr lang="en-US" altLang="ko-KR" dirty="0"/>
+              <a:t> network&gt;</a:t>
+            </a:r>
+          </a:p>
+          <a:p>
+            <a:pPr marL="285750" indent="-285750">
+              <a:buFontTx/>
+              <a:buChar char="-"/>
+            </a:pPr>
+            <a:r>
+              <a:rPr lang="en-US" altLang="ko-KR" dirty="0"/>
+              <a:t>d inputs</a:t>
+            </a:r>
+          </a:p>
+          <a:p>
+            <a:pPr marL="285750" indent="-285750">
+              <a:buFontTx/>
+              <a:buChar char="-"/>
+            </a:pPr>
+            <a:r>
+              <a:rPr lang="en-US" altLang="ko-KR" dirty="0"/>
+              <a:t>l depth</a:t>
+            </a:r>
+          </a:p>
+          <a:p>
+            <a:pPr marL="285750" indent="-285750">
+              <a:buFontTx/>
+              <a:buChar char="-"/>
+            </a:pPr>
+            <a:r>
+              <a:rPr lang="en-US" altLang="ko-KR" dirty="0"/>
+              <a:t>K filters per unit</a:t>
+            </a:r>
+          </a:p>
+          <a:p>
+            <a:endParaRPr lang="ko-KR" altLang="en-US" dirty="0"/>
+          </a:p>
+        </p:txBody>
+      </p:sp>
     </p:spTree>
     <p:extLst>
       <p:ext uri="{BB962C8B-B14F-4D97-AF65-F5344CB8AC3E}">
@@ -6811,7 +4762,7 @@
         <p:spPr/>
         <p:txBody>
           <a:bodyPr>
-            <a:normAutofit fontScale="90000"/>
+            <a:normAutofit/>
           </a:bodyPr>
           <a:lstStyle/>
           <a:p>
@@ -6820,47 +4771,17 @@
             </a:pPr>
             <a:r>
               <a:rPr lang="en-US" altLang="ko-KR" dirty="0"/>
-              <a:t>Sigmoid Units for Bernoulli Output Distribution</a:t>
-            </a:r>
-          </a:p>
-        </p:txBody>
-      </p:sp>
-      <p:pic>
-        <p:nvPicPr>
-          <p:cNvPr id="4" name="Picture 3">
+              <a:t>Other Architectural considerations</a:t>
+            </a:r>
+          </a:p>
+        </p:txBody>
+      </p:sp>
+      <p:sp>
+        <p:nvSpPr>
+          <p:cNvPr id="4" name="TextBox 3">
             <a:extLst>
               <a:ext uri="{FF2B5EF4-FFF2-40B4-BE49-F238E27FC236}">
-                <a16:creationId xmlns:a16="http://schemas.microsoft.com/office/drawing/2014/main" id="{03A5C5F3-A282-41F2-9BF2-F3CF3F91CCBA}"/>
-              </a:ext>
-            </a:extLst>
-          </p:cNvPr>
-          <p:cNvPicPr>
-            <a:picLocks noChangeAspect="1"/>
-          </p:cNvPicPr>
-          <p:nvPr/>
-        </p:nvPicPr>
-        <p:blipFill>
-          <a:blip r:embed="rId2"/>
-          <a:stretch>
-            <a:fillRect/>
-          </a:stretch>
-        </p:blipFill>
-        <p:spPr>
-          <a:xfrm>
-            <a:off x="4572000" y="1304764"/>
-            <a:ext cx="3891594" cy="3856107"/>
-          </a:xfrm>
-          <a:prstGeom prst="rect">
-            <a:avLst/>
-          </a:prstGeom>
-        </p:spPr>
-      </p:pic>
-      <p:sp>
-        <p:nvSpPr>
-          <p:cNvPr id="5" name="TextBox 4">
-            <a:extLst>
-              <a:ext uri="{FF2B5EF4-FFF2-40B4-BE49-F238E27FC236}">
-                <a16:creationId xmlns:a16="http://schemas.microsoft.com/office/drawing/2014/main" id="{5F603C03-3AEB-433F-9743-3D0372D90FE3}"/>
+                <a16:creationId xmlns:a16="http://schemas.microsoft.com/office/drawing/2014/main" id="{39F631E5-2A74-4617-976D-2DF269B98705}"/>
               </a:ext>
             </a:extLst>
           </p:cNvPr>
@@ -6869,8 +4790,8 @@
         </p:nvSpPr>
         <p:spPr>
           <a:xfrm>
-            <a:off x="680406" y="1844824"/>
-            <a:ext cx="3783582" cy="1754326"/>
+            <a:off x="1295636" y="1702549"/>
+            <a:ext cx="6444716" cy="2862322"/>
           </a:xfrm>
           <a:prstGeom prst="rect">
             <a:avLst/>
@@ -6884,15 +4805,51 @@
           <a:lstStyle/>
           <a:p>
             <a:r>
+              <a:rPr lang="en-US" altLang="ko-KR" dirty="0"/>
+              <a:t>&lt;</a:t>
+            </a:r>
+            <a:r>
               <a:rPr lang="ko-KR" altLang="en-US" dirty="0"/>
-              <a:t>두 개의 클래스를 분류</a:t>
-            </a:r>
+              <a:t>지금까지 책에서 다룬 것</a:t>
+            </a:r>
+            <a:r>
+              <a:rPr lang="en-US" altLang="ko-KR" dirty="0"/>
+              <a:t>&gt;</a:t>
+            </a:r>
+          </a:p>
+          <a:p>
             <a:endParaRPr lang="en-US" altLang="ko-KR" dirty="0"/>
           </a:p>
           <a:p>
+            <a:r>
+              <a:rPr lang="ko-KR" altLang="en-US" dirty="0"/>
+              <a:t>뉴럴넷 </a:t>
+            </a:r>
+            <a:r>
+              <a:rPr lang="en-US" altLang="ko-KR" dirty="0"/>
+              <a:t>= </a:t>
+            </a:r>
+            <a:r>
+              <a:rPr lang="ko-KR" altLang="en-US" dirty="0"/>
+              <a:t>레이어들의 연결</a:t>
+            </a:r>
             <a:endParaRPr lang="en-US" altLang="ko-KR" dirty="0"/>
           </a:p>
           <a:p>
+            <a:r>
+              <a:rPr lang="en-US" altLang="ko-KR" dirty="0"/>
+              <a:t>-&gt; </a:t>
+            </a:r>
+            <a:r>
+              <a:rPr lang="ko-KR" altLang="en-US" dirty="0"/>
+              <a:t>레이어의 </a:t>
+            </a:r>
+            <a:r>
+              <a:rPr lang="en-US" altLang="ko-KR" dirty="0"/>
+              <a:t>depth, width</a:t>
+            </a:r>
+          </a:p>
+          <a:p>
             <a:endParaRPr lang="en-US" altLang="ko-KR" dirty="0"/>
           </a:p>
           <a:p>
@@ -6901,44 +4858,46 @@
           <a:p>
             <a:r>
               <a:rPr lang="en-US" altLang="ko-KR" dirty="0"/>
-              <a:t>Binary variable</a:t>
+              <a:t>&lt;</a:t>
             </a:r>
             <a:r>
               <a:rPr lang="ko-KR" altLang="en-US" dirty="0"/>
-              <a:t>에서 </a:t>
-            </a:r>
-            <a:r>
-              <a:rPr lang="en-US" altLang="ko-KR" dirty="0"/>
-              <a:t>distribution</a:t>
-            </a:r>
-            <a:r>
-              <a:rPr lang="ko-KR" altLang="en-US" dirty="0"/>
-              <a:t>을 정의하는 변수 </a:t>
-            </a:r>
-            <a:r>
-              <a:rPr lang="en-US" altLang="ko-KR" dirty="0"/>
-              <a:t>z</a:t>
-            </a:r>
-            <a:r>
-              <a:rPr lang="ko-KR" altLang="en-US" dirty="0"/>
-              <a:t>를 </a:t>
-            </a:r>
-            <a:r>
-              <a:rPr lang="en-US" altLang="ko-KR" dirty="0"/>
-              <a:t>logit</a:t>
-            </a:r>
-            <a:r>
-              <a:rPr lang="ko-KR" altLang="en-US" dirty="0"/>
-              <a:t>이라 부름</a:t>
-            </a:r>
-            <a:endParaRPr lang="en-US" altLang="ko-KR" dirty="0"/>
+              <a:t>이후에 다룰 것</a:t>
+            </a:r>
+            <a:r>
+              <a:rPr lang="en-US" altLang="ko-KR" dirty="0"/>
+              <a:t>&gt;</a:t>
+            </a:r>
+          </a:p>
+          <a:p>
+            <a:pPr marL="285750" indent="-285750">
+              <a:buFontTx/>
+              <a:buChar char="-"/>
+            </a:pPr>
+            <a:r>
+              <a:rPr lang="en-US" altLang="ko-KR" dirty="0"/>
+              <a:t>Convolution network</a:t>
+            </a:r>
+          </a:p>
+          <a:p>
+            <a:pPr marL="285750" indent="-285750">
+              <a:buFontTx/>
+              <a:buChar char="-"/>
+            </a:pPr>
+            <a:r>
+              <a:rPr lang="en-US" altLang="ko-KR" dirty="0"/>
+              <a:t>Recurrent network</a:t>
+            </a:r>
+          </a:p>
+          <a:p>
+            <a:endParaRPr lang="ko-KR" altLang="en-US" dirty="0"/>
           </a:p>
         </p:txBody>
       </p:sp>
     </p:spTree>
     <p:extLst>
       <p:ext uri="{BB962C8B-B14F-4D97-AF65-F5344CB8AC3E}">
-        <p14:creationId xmlns:p14="http://schemas.microsoft.com/office/powerpoint/2010/main" val="1914455593"/>
+        <p14:creationId xmlns:p14="http://schemas.microsoft.com/office/powerpoint/2010/main" val="1026351098"/>
       </p:ext>
     </p:extLst>
   </p:cSld>
